--- a/rhe306-spring2014/documents/ethosLecture.pptx
+++ b/rhe306-spring2014/documents/ethosLecture.pptx
@@ -6330,46 +6330,72 @@
           <a:p>
             <a:r>
               <a:rPr lang="en-US" dirty="0" smtClean="0"/>
-              <a:t>“Situated ethos”: The authority you carry with you</a:t>
-            </a:r>
-          </a:p>
-          <a:p>
+              <a:t>Vocabulary:</a:t>
+            </a:r>
+          </a:p>
+          <a:p>
+            <a:pPr lvl="1"/>
             <a:r>
               <a:rPr lang="en-US" dirty="0" smtClean="0"/>
-              <a:t>“Invented ethos”: the authority you establish through self-presentation</a:t>
+              <a:t>“</a:t>
+            </a:r>
+            <a:r>
+              <a:rPr lang="en-US" dirty="0" smtClean="0"/>
+              <a:t>Situated ethos”: The authority you carry with you</a:t>
+            </a:r>
+          </a:p>
+          <a:p>
+            <a:pPr lvl="1"/>
+            <a:r>
+              <a:rPr lang="en-US" dirty="0" smtClean="0"/>
+              <a:t>“Invented ethos”: the authority you establish through self-</a:t>
+            </a:r>
+            <a:r>
+              <a:rPr lang="en-US" dirty="0" smtClean="0"/>
+              <a:t>presentation</a:t>
+            </a:r>
+          </a:p>
+          <a:p>
+            <a:pPr lvl="1"/>
+            <a:r>
+              <a:rPr lang="en-US" dirty="0"/>
+              <a:t>Commonplaces: what everyone in a given community believes </a:t>
+            </a:r>
+            <a:r>
+              <a:rPr lang="en-US" i="1" dirty="0"/>
+              <a:t>without thinking about it</a:t>
+            </a:r>
+            <a:endParaRPr lang="en-US" dirty="0"/>
+          </a:p>
+          <a:p>
+            <a:pPr lvl="1"/>
+            <a:endParaRPr lang="en-US" dirty="0" smtClean="0"/>
+          </a:p>
+          <a:p>
+            <a:r>
+              <a:rPr lang="en-US" dirty="0" smtClean="0"/>
+              <a:t>Context</a:t>
+            </a:r>
+            <a:r>
+              <a:rPr lang="en-US" smtClean="0"/>
+              <a:t>-</a:t>
+            </a:r>
+            <a:r>
+              <a:rPr lang="en-US" smtClean="0"/>
+              <a:t>specific</a:t>
+            </a:r>
+            <a:r>
+              <a:rPr lang="en-US" smtClean="0"/>
+              <a:t>ity</a:t>
+            </a:r>
+            <a:r>
+              <a:rPr lang="en-US" dirty="0" smtClean="0"/>
+              <a:t/>
             </a:r>
             <a:br>
               <a:rPr lang="en-US" dirty="0" smtClean="0"/>
             </a:br>
             <a:endParaRPr lang="en-US" dirty="0" smtClean="0"/>
-          </a:p>
-          <a:p>
-            <a:r>
-              <a:rPr lang="en-US" dirty="0" smtClean="0"/>
-              <a:t>Context-specific</a:t>
-            </a:r>
-            <a:br>
-              <a:rPr lang="en-US" dirty="0" smtClean="0"/>
-            </a:br>
-            <a:r>
-              <a:rPr lang="en-US" dirty="0" smtClean="0"/>
-              <a:t/>
-            </a:r>
-            <a:br>
-              <a:rPr lang="en-US" dirty="0" smtClean="0"/>
-            </a:br>
-            <a:endParaRPr lang="en-US" dirty="0" smtClean="0"/>
-          </a:p>
-          <a:p>
-            <a:r>
-              <a:rPr lang="en-US" dirty="0" smtClean="0"/>
-              <a:t>Commonplaces: what everyone in a given community believes </a:t>
-            </a:r>
-            <a:r>
-              <a:rPr lang="en-US" i="1" dirty="0" smtClean="0"/>
-              <a:t>without thinking about it</a:t>
-            </a:r>
-            <a:endParaRPr lang="en-US" dirty="0"/>
           </a:p>
         </p:txBody>
       </p:sp>

--- a/rhe306-spring2014/documents/ethosLecture.pptx
+++ b/rhe306-spring2014/documents/ethosLecture.pptx
@@ -4,18 +4,25 @@
   <p:sldMasterIdLst>
     <p:sldMasterId id="2147483924" r:id="rId1"/>
   </p:sldMasterIdLst>
+  <p:notesMasterIdLst>
+    <p:notesMasterId r:id="rId17"/>
+  </p:notesMasterIdLst>
   <p:sldIdLst>
     <p:sldId id="256" r:id="rId2"/>
-    <p:sldId id="258" r:id="rId3"/>
-    <p:sldId id="257" r:id="rId4"/>
-    <p:sldId id="266" r:id="rId5"/>
-    <p:sldId id="265" r:id="rId6"/>
-    <p:sldId id="259" r:id="rId7"/>
-    <p:sldId id="260" r:id="rId8"/>
-    <p:sldId id="262" r:id="rId9"/>
-    <p:sldId id="263" r:id="rId10"/>
-    <p:sldId id="261" r:id="rId11"/>
-    <p:sldId id="264" r:id="rId12"/>
+    <p:sldId id="257" r:id="rId3"/>
+    <p:sldId id="266" r:id="rId4"/>
+    <p:sldId id="278" r:id="rId5"/>
+    <p:sldId id="259" r:id="rId6"/>
+    <p:sldId id="264" r:id="rId7"/>
+    <p:sldId id="267" r:id="rId8"/>
+    <p:sldId id="270" r:id="rId9"/>
+    <p:sldId id="271" r:id="rId10"/>
+    <p:sldId id="268" r:id="rId11"/>
+    <p:sldId id="275" r:id="rId12"/>
+    <p:sldId id="272" r:id="rId13"/>
+    <p:sldId id="269" r:id="rId14"/>
+    <p:sldId id="276" r:id="rId15"/>
+    <p:sldId id="277" r:id="rId16"/>
   </p:sldIdLst>
   <p:sldSz cx="9144000" cy="6858000" type="screen4x3"/>
   <p:notesSz cx="6858000" cy="9144000"/>
@@ -117,6 +124,452 @@
 </p:presentation>
 </file>
 
+<file path=ppt/notesMasters/notesMaster1.xml><?xml version="1.0" encoding="utf-8"?>
+<p:notesMaster xmlns:a="http://schemas.openxmlformats.org/drawingml/2006/main" xmlns:r="http://schemas.openxmlformats.org/officeDocument/2006/relationships" xmlns:p="http://schemas.openxmlformats.org/presentationml/2006/main">
+  <p:cSld>
+    <p:bg>
+      <p:bgRef idx="1001">
+        <a:schemeClr val="bg1"/>
+      </p:bgRef>
+    </p:bg>
+    <p:spTree>
+      <p:nvGrpSpPr>
+        <p:cNvPr id="1" name=""/>
+        <p:cNvGrpSpPr/>
+        <p:nvPr/>
+      </p:nvGrpSpPr>
+      <p:grpSpPr>
+        <a:xfrm>
+          <a:off x="0" y="0"/>
+          <a:ext cx="0" cy="0"/>
+          <a:chOff x="0" y="0"/>
+          <a:chExt cx="0" cy="0"/>
+        </a:xfrm>
+      </p:grpSpPr>
+      <p:sp>
+        <p:nvSpPr>
+          <p:cNvPr id="2" name="Header Placeholder 1"/>
+          <p:cNvSpPr>
+            <a:spLocks noGrp="1"/>
+          </p:cNvSpPr>
+          <p:nvPr>
+            <p:ph type="hdr" sz="quarter"/>
+          </p:nvPr>
+        </p:nvSpPr>
+        <p:spPr>
+          <a:xfrm>
+            <a:off x="0" y="0"/>
+            <a:ext cx="2971800" cy="457200"/>
+          </a:xfrm>
+          <a:prstGeom prst="rect">
+            <a:avLst/>
+          </a:prstGeom>
+        </p:spPr>
+        <p:txBody>
+          <a:bodyPr vert="horz" lIns="91440" tIns="45720" rIns="91440" bIns="45720" rtlCol="0"/>
+          <a:lstStyle>
+            <a:lvl1pPr algn="l">
+              <a:defRPr sz="1200"/>
+            </a:lvl1pPr>
+          </a:lstStyle>
+          <a:p>
+            <a:endParaRPr lang="en-US"/>
+          </a:p>
+        </p:txBody>
+      </p:sp>
+      <p:sp>
+        <p:nvSpPr>
+          <p:cNvPr id="3" name="Date Placeholder 2"/>
+          <p:cNvSpPr>
+            <a:spLocks noGrp="1"/>
+          </p:cNvSpPr>
+          <p:nvPr>
+            <p:ph type="dt" idx="1"/>
+          </p:nvPr>
+        </p:nvSpPr>
+        <p:spPr>
+          <a:xfrm>
+            <a:off x="3884613" y="0"/>
+            <a:ext cx="2971800" cy="457200"/>
+          </a:xfrm>
+          <a:prstGeom prst="rect">
+            <a:avLst/>
+          </a:prstGeom>
+        </p:spPr>
+        <p:txBody>
+          <a:bodyPr vert="horz" lIns="91440" tIns="45720" rIns="91440" bIns="45720" rtlCol="0"/>
+          <a:lstStyle>
+            <a:lvl1pPr algn="r">
+              <a:defRPr sz="1200"/>
+            </a:lvl1pPr>
+          </a:lstStyle>
+          <a:p>
+            <a:fld id="{C7D41FAA-B7A4-2E46-867F-180959296F4C}" type="datetimeFigureOut">
+              <a:rPr lang="en-US" smtClean="0"/>
+              <a:t>2/27/14</a:t>
+            </a:fld>
+            <a:endParaRPr lang="en-US"/>
+          </a:p>
+        </p:txBody>
+      </p:sp>
+      <p:sp>
+        <p:nvSpPr>
+          <p:cNvPr id="4" name="Slide Image Placeholder 3"/>
+          <p:cNvSpPr>
+            <a:spLocks noGrp="1" noRot="1" noChangeAspect="1"/>
+          </p:cNvSpPr>
+          <p:nvPr>
+            <p:ph type="sldImg" idx="2"/>
+          </p:nvPr>
+        </p:nvSpPr>
+        <p:spPr>
+          <a:xfrm>
+            <a:off x="1143000" y="685800"/>
+            <a:ext cx="4572000" cy="3429000"/>
+          </a:xfrm>
+          <a:prstGeom prst="rect">
+            <a:avLst/>
+          </a:prstGeom>
+          <a:noFill/>
+          <a:ln w="12700">
+            <a:solidFill>
+              <a:prstClr val="black"/>
+            </a:solidFill>
+          </a:ln>
+        </p:spPr>
+        <p:txBody>
+          <a:bodyPr vert="horz" lIns="91440" tIns="45720" rIns="91440" bIns="45720" rtlCol="0" anchor="ctr"/>
+          <a:lstStyle/>
+          <a:p>
+            <a:endParaRPr lang="en-US"/>
+          </a:p>
+        </p:txBody>
+      </p:sp>
+      <p:sp>
+        <p:nvSpPr>
+          <p:cNvPr id="5" name="Notes Placeholder 4"/>
+          <p:cNvSpPr>
+            <a:spLocks noGrp="1"/>
+          </p:cNvSpPr>
+          <p:nvPr>
+            <p:ph type="body" sz="quarter" idx="3"/>
+          </p:nvPr>
+        </p:nvSpPr>
+        <p:spPr>
+          <a:xfrm>
+            <a:off x="685800" y="4343400"/>
+            <a:ext cx="5486400" cy="4114800"/>
+          </a:xfrm>
+          <a:prstGeom prst="rect">
+            <a:avLst/>
+          </a:prstGeom>
+        </p:spPr>
+        <p:txBody>
+          <a:bodyPr vert="horz" lIns="91440" tIns="45720" rIns="91440" bIns="45720" rtlCol="0"/>
+          <a:lstStyle/>
+          <a:p>
+            <a:pPr lvl="0"/>
+            <a:r>
+              <a:rPr lang="en-US" smtClean="0"/>
+              <a:t>Click to edit Master text styles</a:t>
+            </a:r>
+          </a:p>
+          <a:p>
+            <a:pPr lvl="1"/>
+            <a:r>
+              <a:rPr lang="en-US" smtClean="0"/>
+              <a:t>Second level</a:t>
+            </a:r>
+          </a:p>
+          <a:p>
+            <a:pPr lvl="2"/>
+            <a:r>
+              <a:rPr lang="en-US" smtClean="0"/>
+              <a:t>Third level</a:t>
+            </a:r>
+          </a:p>
+          <a:p>
+            <a:pPr lvl="3"/>
+            <a:r>
+              <a:rPr lang="en-US" smtClean="0"/>
+              <a:t>Fourth level</a:t>
+            </a:r>
+          </a:p>
+          <a:p>
+            <a:pPr lvl="4"/>
+            <a:r>
+              <a:rPr lang="en-US" smtClean="0"/>
+              <a:t>Fifth level</a:t>
+            </a:r>
+            <a:endParaRPr lang="en-US"/>
+          </a:p>
+        </p:txBody>
+      </p:sp>
+      <p:sp>
+        <p:nvSpPr>
+          <p:cNvPr id="6" name="Footer Placeholder 5"/>
+          <p:cNvSpPr>
+            <a:spLocks noGrp="1"/>
+          </p:cNvSpPr>
+          <p:nvPr>
+            <p:ph type="ftr" sz="quarter" idx="4"/>
+          </p:nvPr>
+        </p:nvSpPr>
+        <p:spPr>
+          <a:xfrm>
+            <a:off x="0" y="8685213"/>
+            <a:ext cx="2971800" cy="457200"/>
+          </a:xfrm>
+          <a:prstGeom prst="rect">
+            <a:avLst/>
+          </a:prstGeom>
+        </p:spPr>
+        <p:txBody>
+          <a:bodyPr vert="horz" lIns="91440" tIns="45720" rIns="91440" bIns="45720" rtlCol="0" anchor="b"/>
+          <a:lstStyle>
+            <a:lvl1pPr algn="l">
+              <a:defRPr sz="1200"/>
+            </a:lvl1pPr>
+          </a:lstStyle>
+          <a:p>
+            <a:endParaRPr lang="en-US"/>
+          </a:p>
+        </p:txBody>
+      </p:sp>
+      <p:sp>
+        <p:nvSpPr>
+          <p:cNvPr id="7" name="Slide Number Placeholder 6"/>
+          <p:cNvSpPr>
+            <a:spLocks noGrp="1"/>
+          </p:cNvSpPr>
+          <p:nvPr>
+            <p:ph type="sldNum" sz="quarter" idx="5"/>
+          </p:nvPr>
+        </p:nvSpPr>
+        <p:spPr>
+          <a:xfrm>
+            <a:off x="3884613" y="8685213"/>
+            <a:ext cx="2971800" cy="457200"/>
+          </a:xfrm>
+          <a:prstGeom prst="rect">
+            <a:avLst/>
+          </a:prstGeom>
+        </p:spPr>
+        <p:txBody>
+          <a:bodyPr vert="horz" lIns="91440" tIns="45720" rIns="91440" bIns="45720" rtlCol="0" anchor="b"/>
+          <a:lstStyle>
+            <a:lvl1pPr algn="r">
+              <a:defRPr sz="1200"/>
+            </a:lvl1pPr>
+          </a:lstStyle>
+          <a:p>
+            <a:fld id="{DD3BD7E7-A791-E34D-8ACB-3FF9B0B3B6AE}" type="slidenum">
+              <a:rPr lang="en-US" smtClean="0"/>
+              <a:t>‹#›</a:t>
+            </a:fld>
+            <a:endParaRPr lang="en-US"/>
+          </a:p>
+        </p:txBody>
+      </p:sp>
+    </p:spTree>
+    <p:extLst>
+      <p:ext uri="{BB962C8B-B14F-4D97-AF65-F5344CB8AC3E}">
+        <p14:creationId xmlns:p14="http://schemas.microsoft.com/office/powerpoint/2010/main" val="3864734149"/>
+      </p:ext>
+    </p:extLst>
+  </p:cSld>
+  <p:clrMap bg1="lt1" tx1="dk1" bg2="lt2" tx2="dk2" accent1="accent1" accent2="accent2" accent3="accent3" accent4="accent4" accent5="accent5" accent6="accent6" hlink="hlink" folHlink="folHlink"/>
+  <p:notesStyle>
+    <a:lvl1pPr marL="0" algn="l" defTabSz="457200" rtl="0" eaLnBrk="1" latinLnBrk="0" hangingPunct="1">
+      <a:defRPr sz="1200" kern="1200">
+        <a:solidFill>
+          <a:schemeClr val="tx1"/>
+        </a:solidFill>
+        <a:latin typeface="+mn-lt"/>
+        <a:ea typeface="+mn-ea"/>
+        <a:cs typeface="+mn-cs"/>
+      </a:defRPr>
+    </a:lvl1pPr>
+    <a:lvl2pPr marL="457200" algn="l" defTabSz="457200" rtl="0" eaLnBrk="1" latinLnBrk="0" hangingPunct="1">
+      <a:defRPr sz="1200" kern="1200">
+        <a:solidFill>
+          <a:schemeClr val="tx1"/>
+        </a:solidFill>
+        <a:latin typeface="+mn-lt"/>
+        <a:ea typeface="+mn-ea"/>
+        <a:cs typeface="+mn-cs"/>
+      </a:defRPr>
+    </a:lvl2pPr>
+    <a:lvl3pPr marL="914400" algn="l" defTabSz="457200" rtl="0" eaLnBrk="1" latinLnBrk="0" hangingPunct="1">
+      <a:defRPr sz="1200" kern="1200">
+        <a:solidFill>
+          <a:schemeClr val="tx1"/>
+        </a:solidFill>
+        <a:latin typeface="+mn-lt"/>
+        <a:ea typeface="+mn-ea"/>
+        <a:cs typeface="+mn-cs"/>
+      </a:defRPr>
+    </a:lvl3pPr>
+    <a:lvl4pPr marL="1371600" algn="l" defTabSz="457200" rtl="0" eaLnBrk="1" latinLnBrk="0" hangingPunct="1">
+      <a:defRPr sz="1200" kern="1200">
+        <a:solidFill>
+          <a:schemeClr val="tx1"/>
+        </a:solidFill>
+        <a:latin typeface="+mn-lt"/>
+        <a:ea typeface="+mn-ea"/>
+        <a:cs typeface="+mn-cs"/>
+      </a:defRPr>
+    </a:lvl4pPr>
+    <a:lvl5pPr marL="1828800" algn="l" defTabSz="457200" rtl="0" eaLnBrk="1" latinLnBrk="0" hangingPunct="1">
+      <a:defRPr sz="1200" kern="1200">
+        <a:solidFill>
+          <a:schemeClr val="tx1"/>
+        </a:solidFill>
+        <a:latin typeface="+mn-lt"/>
+        <a:ea typeface="+mn-ea"/>
+        <a:cs typeface="+mn-cs"/>
+      </a:defRPr>
+    </a:lvl5pPr>
+    <a:lvl6pPr marL="2286000" algn="l" defTabSz="457200" rtl="0" eaLnBrk="1" latinLnBrk="0" hangingPunct="1">
+      <a:defRPr sz="1200" kern="1200">
+        <a:solidFill>
+          <a:schemeClr val="tx1"/>
+        </a:solidFill>
+        <a:latin typeface="+mn-lt"/>
+        <a:ea typeface="+mn-ea"/>
+        <a:cs typeface="+mn-cs"/>
+      </a:defRPr>
+    </a:lvl6pPr>
+    <a:lvl7pPr marL="2743200" algn="l" defTabSz="457200" rtl="0" eaLnBrk="1" latinLnBrk="0" hangingPunct="1">
+      <a:defRPr sz="1200" kern="1200">
+        <a:solidFill>
+          <a:schemeClr val="tx1"/>
+        </a:solidFill>
+        <a:latin typeface="+mn-lt"/>
+        <a:ea typeface="+mn-ea"/>
+        <a:cs typeface="+mn-cs"/>
+      </a:defRPr>
+    </a:lvl7pPr>
+    <a:lvl8pPr marL="3200400" algn="l" defTabSz="457200" rtl="0" eaLnBrk="1" latinLnBrk="0" hangingPunct="1">
+      <a:defRPr sz="1200" kern="1200">
+        <a:solidFill>
+          <a:schemeClr val="tx1"/>
+        </a:solidFill>
+        <a:latin typeface="+mn-lt"/>
+        <a:ea typeface="+mn-ea"/>
+        <a:cs typeface="+mn-cs"/>
+      </a:defRPr>
+    </a:lvl8pPr>
+    <a:lvl9pPr marL="3657600" algn="l" defTabSz="457200" rtl="0" eaLnBrk="1" latinLnBrk="0" hangingPunct="1">
+      <a:defRPr sz="1200" kern="1200">
+        <a:solidFill>
+          <a:schemeClr val="tx1"/>
+        </a:solidFill>
+        <a:latin typeface="+mn-lt"/>
+        <a:ea typeface="+mn-ea"/>
+        <a:cs typeface="+mn-cs"/>
+      </a:defRPr>
+    </a:lvl9pPr>
+  </p:notesStyle>
+</p:notesMaster>
+</file>
+
+<file path=ppt/notesSlides/notesSlide1.xml><?xml version="1.0" encoding="utf-8"?>
+<p:notes xmlns:a="http://schemas.openxmlformats.org/drawingml/2006/main" xmlns:r="http://schemas.openxmlformats.org/officeDocument/2006/relationships" xmlns:p="http://schemas.openxmlformats.org/presentationml/2006/main">
+  <p:cSld>
+    <p:spTree>
+      <p:nvGrpSpPr>
+        <p:cNvPr id="1" name=""/>
+        <p:cNvGrpSpPr/>
+        <p:nvPr/>
+      </p:nvGrpSpPr>
+      <p:grpSpPr>
+        <a:xfrm>
+          <a:off x="0" y="0"/>
+          <a:ext cx="0" cy="0"/>
+          <a:chOff x="0" y="0"/>
+          <a:chExt cx="0" cy="0"/>
+        </a:xfrm>
+      </p:grpSpPr>
+      <p:sp>
+        <p:nvSpPr>
+          <p:cNvPr id="2" name="Slide Image Placeholder 1"/>
+          <p:cNvSpPr>
+            <a:spLocks noGrp="1" noRot="1" noChangeAspect="1"/>
+          </p:cNvSpPr>
+          <p:nvPr>
+            <p:ph type="sldImg"/>
+          </p:nvPr>
+        </p:nvSpPr>
+        <p:spPr/>
+      </p:sp>
+      <p:sp>
+        <p:nvSpPr>
+          <p:cNvPr id="3" name="Notes Placeholder 2"/>
+          <p:cNvSpPr>
+            <a:spLocks noGrp="1"/>
+          </p:cNvSpPr>
+          <p:nvPr>
+            <p:ph type="body" idx="1"/>
+          </p:nvPr>
+        </p:nvSpPr>
+        <p:spPr/>
+        <p:txBody>
+          <a:bodyPr/>
+          <a:lstStyle/>
+          <a:p>
+            <a:r>
+              <a:rPr lang="en-US" dirty="0" smtClean="0"/>
+              <a:t>Remember last time.</a:t>
+            </a:r>
+            <a:r>
+              <a:rPr lang="en-US" baseline="0" dirty="0" smtClean="0"/>
+              <a:t> You were batman, you had recently uncovered a soviet plot to take over Gotham, and you were trying to get to the governor to get help. You used an “ethical appeal” to get past the security guard. Now you are in the room and you are confronted with the governor. The governor is not a super bright guy, but he really cares about family values, [context for a pathos-</a:t>
+            </a:r>
+            <a:r>
+              <a:rPr lang="en-US" baseline="0" smtClean="0"/>
+              <a:t>based appeal?]</a:t>
+            </a:r>
+            <a:endParaRPr lang="en-US" dirty="0"/>
+          </a:p>
+        </p:txBody>
+      </p:sp>
+      <p:sp>
+        <p:nvSpPr>
+          <p:cNvPr id="4" name="Slide Number Placeholder 3"/>
+          <p:cNvSpPr>
+            <a:spLocks noGrp="1"/>
+          </p:cNvSpPr>
+          <p:nvPr>
+            <p:ph type="sldNum" sz="quarter" idx="10"/>
+          </p:nvPr>
+        </p:nvSpPr>
+        <p:spPr/>
+        <p:txBody>
+          <a:bodyPr/>
+          <a:lstStyle/>
+          <a:p>
+            <a:fld id="{DD3BD7E7-A791-E34D-8ACB-3FF9B0B3B6AE}" type="slidenum">
+              <a:rPr lang="en-US" smtClean="0"/>
+              <a:t>5</a:t>
+            </a:fld>
+            <a:endParaRPr lang="en-US"/>
+          </a:p>
+        </p:txBody>
+      </p:sp>
+    </p:spTree>
+    <p:extLst>
+      <p:ext uri="{BB962C8B-B14F-4D97-AF65-F5344CB8AC3E}">
+        <p14:creationId xmlns:p14="http://schemas.microsoft.com/office/powerpoint/2010/main" val="855573752"/>
+      </p:ext>
+    </p:extLst>
+  </p:cSld>
+  <p:clrMapOvr>
+    <a:masterClrMapping/>
+  </p:clrMapOvr>
+</p:notes>
+</file>
+
 <file path=ppt/slideLayouts/slideLayout1.xml><?xml version="1.0" encoding="utf-8"?>
 <p:sldLayout xmlns:a="http://schemas.openxmlformats.org/drawingml/2006/main" xmlns:r="http://schemas.openxmlformats.org/officeDocument/2006/relationships" xmlns:p="http://schemas.openxmlformats.org/presentationml/2006/main" showMasterSp="0" type="title" preserve="1">
   <p:cSld name="Title Slide">
@@ -398,7 +851,7 @@
             <a:fld id="{451DEABC-D766-4322-8E78-B830FAE35C72}" type="datetime4">
               <a:rPr lang="en-US" smtClean="0"/>
               <a:pPr/>
-              <a:t>February 25, 2014</a:t>
+              <a:t>February 27, 2014</a:t>
             </a:fld>
             <a:endParaRPr lang="en-US" dirty="0"/>
           </a:p>
@@ -793,7 +1246,7 @@
             <a:fld id="{F3131F9E-604E-4343-9F29-EF72E8231CAD}" type="datetime4">
               <a:rPr lang="en-US" smtClean="0"/>
               <a:pPr/>
-              <a:t>February 25, 2014</a:t>
+              <a:t>February 27, 2014</a:t>
             </a:fld>
             <a:endParaRPr lang="en-US"/>
           </a:p>
@@ -1328,7 +1781,7 @@
             <a:fld id="{34A8E1CE-37F8-4102-8DF9-852A0A51F293}" type="datetime4">
               <a:rPr lang="en-US" smtClean="0"/>
               <a:pPr/>
-              <a:t>February 25, 2014</a:t>
+              <a:t>February 27, 2014</a:t>
             </a:fld>
             <a:endParaRPr lang="en-US"/>
           </a:p>
@@ -1462,7 +1915,7 @@
             <a:fld id="{93333F43-3E86-47E4-BFBB-2476D384E1C6}" type="datetime4">
               <a:rPr lang="en-US" smtClean="0"/>
               <a:pPr/>
-              <a:t>February 25, 2014</a:t>
+              <a:t>February 27, 2014</a:t>
             </a:fld>
             <a:endParaRPr lang="en-US"/>
           </a:p>
@@ -2007,7 +2460,7 @@
             <a:fld id="{751663BA-01FC-4367-B6F3-ABB2645D55F1}" type="datetime4">
               <a:rPr lang="en-US" smtClean="0"/>
               <a:pPr/>
-              <a:t>February 25, 2014</a:t>
+              <a:t>February 27, 2014</a:t>
             </a:fld>
             <a:endParaRPr lang="en-US" dirty="0"/>
           </a:p>
@@ -2304,7 +2757,7 @@
             <a:fld id="{79B19C71-EC74-44AF-B27E-FC7DC3C3A61D}" type="datetime4">
               <a:rPr lang="en-US" smtClean="0"/>
               <a:pPr/>
-              <a:t>February 25, 2014</a:t>
+              <a:t>February 27, 2014</a:t>
             </a:fld>
             <a:endParaRPr lang="en-US"/>
           </a:p>
@@ -2965,7 +3418,7 @@
             <a:fld id="{6A5CDA29-3CBE-48EA-92AE-A996835462BA}" type="datetime4">
               <a:rPr lang="en-US" smtClean="0"/>
               <a:pPr/>
-              <a:t>February 25, 2014</a:t>
+              <a:t>February 27, 2014</a:t>
             </a:fld>
             <a:endParaRPr lang="en-US"/>
           </a:p>
@@ -3403,7 +3856,7 @@
             <a:fld id="{E29EC054-3869-4501-B163-1BBFDE8DCE04}" type="datetime4">
               <a:rPr lang="en-US" smtClean="0"/>
               <a:pPr/>
-              <a:t>February 25, 2014</a:t>
+              <a:t>February 27, 2014</a:t>
             </a:fld>
             <a:endParaRPr lang="en-US"/>
           </a:p>
@@ -3718,7 +4171,7 @@
             <a:fld id="{0A63D831-56C1-49CF-8EF7-8B9A98402BCD}" type="datetime4">
               <a:rPr lang="en-US" smtClean="0"/>
               <a:pPr/>
-              <a:t>February 25, 2014</a:t>
+              <a:t>February 27, 2014</a:t>
             </a:fld>
             <a:endParaRPr lang="en-US"/>
           </a:p>
@@ -4453,7 +4906,7 @@
             <a:fld id="{6EAD5615-7F4F-4584-84D5-CC95918C321F}" type="datetime4">
               <a:rPr lang="en-US" smtClean="0"/>
               <a:pPr/>
-              <a:t>February 25, 2014</a:t>
+              <a:t>February 27, 2014</a:t>
             </a:fld>
             <a:endParaRPr lang="en-US"/>
           </a:p>
@@ -5119,7 +5572,7 @@
             <a:fld id="{76EEA923-9BEE-48CE-9F28-5B525F399BAD}" type="datetime4">
               <a:rPr lang="en-US" smtClean="0"/>
               <a:pPr/>
-              <a:t>February 25, 2014</a:t>
+              <a:t>February 27, 2014</a:t>
             </a:fld>
             <a:endParaRPr lang="en-US"/>
           </a:p>
@@ -5393,7 +5846,7 @@
             <a:fld id="{17D0EFEE-2756-4A20-BF2A-63F0A94F99AC}" type="datetime4">
               <a:rPr lang="en-US" smtClean="0"/>
               <a:pPr/>
-              <a:t>February 25, 2014</a:t>
+              <a:t>February 27, 2014</a:t>
             </a:fld>
             <a:endParaRPr lang="en-US" dirty="0"/>
           </a:p>
@@ -6085,7 +6538,7 @@
           <a:p>
             <a:r>
               <a:rPr lang="en-US" dirty="0" smtClean="0"/>
-              <a:t>Or: the art of sounding trustworthy</a:t>
+              <a:t>Or: the art of creating persuasive emotions</a:t>
             </a:r>
             <a:endParaRPr lang="en-US" dirty="0"/>
           </a:p>
@@ -6108,7 +6561,19 @@
           <a:p>
             <a:r>
               <a:rPr lang="en-US" dirty="0" smtClean="0"/>
-              <a:t>A matter of trust</a:t>
+              <a:t>A </a:t>
+            </a:r>
+            <a:r>
+              <a:rPr lang="en-US" dirty="0" smtClean="0"/>
+              <a:t>Matter </a:t>
+            </a:r>
+            <a:r>
+              <a:rPr lang="en-US" dirty="0" smtClean="0"/>
+              <a:t>of </a:t>
+            </a:r>
+            <a:r>
+              <a:rPr lang="en-US" dirty="0" smtClean="0"/>
+              <a:t>Feelings</a:t>
             </a:r>
             <a:endParaRPr lang="en-US" dirty="0"/>
           </a:p>
@@ -6153,28 +6618,29 @@
       </p:grpSpPr>
       <p:sp>
         <p:nvSpPr>
-          <p:cNvPr id="2" name="Text Placeholder 1"/>
+          <p:cNvPr id="2" name="Title 1"/>
           <p:cNvSpPr>
             <a:spLocks noGrp="1"/>
           </p:cNvSpPr>
           <p:nvPr>
-            <p:ph type="body" idx="1"/>
+            <p:ph type="title"/>
           </p:nvPr>
         </p:nvSpPr>
         <p:spPr>
           <a:xfrm>
-            <a:off x="301752" y="1524000"/>
-            <a:ext cx="8537448" cy="732974"/>
-          </a:xfrm>
-        </p:spPr>
-        <p:txBody>
-          <a:bodyPr/>
-          <a:lstStyle/>
-          <a:p>
-            <a:pPr algn="ctr"/>
+            <a:off x="301752" y="204636"/>
+            <a:ext cx="8534400" cy="897676"/>
+          </a:xfrm>
+        </p:spPr>
+        <p:txBody>
+          <a:bodyPr>
+            <a:normAutofit fontScale="90000"/>
+          </a:bodyPr>
+          <a:lstStyle/>
+          <a:p>
             <a:r>
               <a:rPr lang="en-US" dirty="0" smtClean="0"/>
-              <a:t>…if you are choosing a new governor?</a:t>
+              <a:t>Meet the Republican Candidates for Ag Commissioner (an appeal to ethos)</a:t>
             </a:r>
             <a:endParaRPr lang="en-US" dirty="0"/>
           </a:p>
@@ -6182,12 +6648,12 @@
       </p:sp>
       <p:pic>
         <p:nvPicPr>
-          <p:cNvPr id="7" name="Content Placeholder 6" descr="Superman.jpg"/>
+          <p:cNvPr id="4" name="Content Placeholder 3" descr="Screen Shot 2014-02-27 at 7.57.05 AM.png"/>
           <p:cNvPicPr>
             <a:picLocks noGrp="1" noChangeAspect="1"/>
           </p:cNvPicPr>
           <p:nvPr>
-            <p:ph sz="quarter" idx="2"/>
+            <p:ph sz="quarter" idx="1"/>
           </p:nvPr>
         </p:nvPicPr>
         <p:blipFill>
@@ -6198,65 +6664,17 @@
               </a:ext>
             </a:extLst>
           </a:blip>
-          <a:srcRect l="-37934" r="-37934"/>
+          <a:srcRect l="9246" r="9246"/>
           <a:stretch>
             <a:fillRect/>
           </a:stretch>
         </p:blipFill>
         <p:spPr/>
       </p:pic>
-      <p:pic>
-        <p:nvPicPr>
-          <p:cNvPr id="8" name="Content Placeholder 7" descr="batman.jpg"/>
-          <p:cNvPicPr>
-            <a:picLocks noGrp="1" noChangeAspect="1"/>
-          </p:cNvPicPr>
-          <p:nvPr>
-            <p:ph sz="quarter" idx="4"/>
-          </p:nvPr>
-        </p:nvPicPr>
-        <p:blipFill>
-          <a:blip r:embed="rId3" cstate="print">
-            <a:extLst>
-              <a:ext uri="{28A0092B-C50C-407E-A947-70E740481C1C}">
-                <a14:useLocalDpi xmlns:a14="http://schemas.microsoft.com/office/drawing/2010/main" val="0"/>
-              </a:ext>
-            </a:extLst>
-          </a:blip>
-          <a:srcRect l="16971" r="16971"/>
-          <a:stretch>
-            <a:fillRect/>
-          </a:stretch>
-        </p:blipFill>
-        <p:spPr/>
-      </p:pic>
-      <p:sp>
-        <p:nvSpPr>
-          <p:cNvPr id="6" name="Title 5"/>
-          <p:cNvSpPr>
-            <a:spLocks noGrp="1"/>
-          </p:cNvSpPr>
-          <p:nvPr>
-            <p:ph type="title"/>
-          </p:nvPr>
-        </p:nvSpPr>
-        <p:spPr/>
-        <p:txBody>
-          <a:bodyPr/>
-          <a:lstStyle/>
-          <a:p>
-            <a:r>
-              <a:rPr lang="en-US" dirty="0" smtClean="0"/>
-              <a:t>Who do you trust more?</a:t>
-            </a:r>
-            <a:endParaRPr lang="en-US" dirty="0"/>
-          </a:p>
-        </p:txBody>
-      </p:sp>
     </p:spTree>
     <p:extLst>
       <p:ext uri="{BB962C8B-B14F-4D97-AF65-F5344CB8AC3E}">
-        <p14:creationId xmlns:p14="http://schemas.microsoft.com/office/powerpoint/2010/main" val="3052086755"/>
+        <p14:creationId xmlns:p14="http://schemas.microsoft.com/office/powerpoint/2010/main" val="3977610072"/>
       </p:ext>
     </p:extLst>
   </p:cSld>
@@ -6307,7 +6725,7 @@
           <a:p>
             <a:r>
               <a:rPr lang="en-US" dirty="0" smtClean="0"/>
-              <a:t>Establishing Authority</a:t>
+              <a:t>Analyzing Emotions</a:t>
             </a:r>
             <a:endParaRPr lang="en-US" dirty="0"/>
           </a:p>
@@ -6330,79 +6748,679 @@
           <a:p>
             <a:r>
               <a:rPr lang="en-US" dirty="0" smtClean="0"/>
-              <a:t>Vocabulary:</a:t>
+              <a:t>What emotions are being evoked, and why?</a:t>
             </a:r>
           </a:p>
           <a:p>
             <a:pPr lvl="1"/>
             <a:r>
+              <a:rPr lang="en-US" dirty="0" smtClean="0">
+                <a:solidFill>
+                  <a:schemeClr val="accent1"/>
+                </a:solidFill>
+              </a:rPr>
+              <a:t>Emotional Keywords</a:t>
+            </a:r>
+            <a:r>
               <a:rPr lang="en-US" dirty="0" smtClean="0"/>
-              <a:t>“</a:t>
-            </a:r>
-            <a:r>
+              <a:t>: words that suggest emotional content. Thrilled! Terrified! Saddened! Disappointed!</a:t>
+            </a:r>
+            <a:br>
               <a:rPr lang="en-US" dirty="0" smtClean="0"/>
-              <a:t>Situated ethos”: The authority you carry with you</a:t>
-            </a:r>
+            </a:br>
+            <a:endParaRPr lang="en-US" dirty="0" smtClean="0">
+              <a:solidFill>
+                <a:srgbClr val="D16349"/>
+              </a:solidFill>
+            </a:endParaRPr>
           </a:p>
           <a:p>
             <a:pPr lvl="1"/>
             <a:r>
+              <a:rPr lang="en-US" dirty="0" smtClean="0">
+                <a:solidFill>
+                  <a:srgbClr val="D16349"/>
+                </a:solidFill>
+              </a:rPr>
+              <a:t>Honorific Language: </a:t>
+            </a:r>
+            <a:r>
+              <a:rPr lang="en-US" dirty="0" smtClean="0">
+                <a:solidFill>
+                  <a:srgbClr val="646B86"/>
+                </a:solidFill>
+              </a:rPr>
+              <a:t>Great, wonderful, fabulous, delightful</a:t>
+            </a:r>
+            <a:br>
+              <a:rPr lang="en-US" dirty="0" smtClean="0">
+                <a:solidFill>
+                  <a:srgbClr val="646B86"/>
+                </a:solidFill>
+              </a:rPr>
+            </a:br>
+            <a:endParaRPr lang="en-US" dirty="0" smtClean="0">
+              <a:solidFill>
+                <a:srgbClr val="646B86"/>
+              </a:solidFill>
+            </a:endParaRPr>
+          </a:p>
+          <a:p>
+            <a:pPr lvl="1"/>
+            <a:r>
+              <a:rPr lang="en-US" dirty="0" smtClean="0">
+                <a:solidFill>
+                  <a:srgbClr val="D16349"/>
+                </a:solidFill>
+              </a:rPr>
+              <a:t>Disparaging Language: </a:t>
+            </a:r>
+            <a:r>
               <a:rPr lang="en-US" dirty="0" smtClean="0"/>
-              <a:t>“Invented ethos”: the authority you establish through self-</a:t>
-            </a:r>
-            <a:r>
-              <a:rPr lang="en-US" dirty="0" smtClean="0"/>
-              <a:t>presentation</a:t>
-            </a:r>
-          </a:p>
-          <a:p>
-            <a:pPr lvl="1"/>
-            <a:r>
-              <a:rPr lang="en-US" dirty="0"/>
-              <a:t>Commonplaces: what everyone in a given community believes </a:t>
-            </a:r>
-            <a:r>
-              <a:rPr lang="en-US" i="1" dirty="0"/>
-              <a:t>without thinking about it</a:t>
-            </a:r>
-            <a:endParaRPr lang="en-US" dirty="0"/>
-          </a:p>
-          <a:p>
-            <a:pPr lvl="1"/>
-            <a:endParaRPr lang="en-US" dirty="0" smtClean="0"/>
-          </a:p>
-          <a:p>
-            <a:r>
-              <a:rPr lang="en-US" dirty="0" smtClean="0"/>
-              <a:t>Context</a:t>
-            </a:r>
-            <a:r>
-              <a:rPr lang="en-US" smtClean="0"/>
-              <a:t>-</a:t>
-            </a:r>
-            <a:r>
-              <a:rPr lang="en-US" smtClean="0"/>
-              <a:t>specific</a:t>
-            </a:r>
-            <a:r>
-              <a:rPr lang="en-US" smtClean="0"/>
-              <a:t>ity</a:t>
-            </a:r>
-            <a:r>
-              <a:rPr lang="en-US" dirty="0" smtClean="0"/>
-              <a:t/>
+              <a:t>terrible, embarrassing, offensive, stupid</a:t>
             </a:r>
             <a:br>
               <a:rPr lang="en-US" dirty="0" smtClean="0"/>
             </a:br>
             <a:endParaRPr lang="en-US" dirty="0" smtClean="0"/>
           </a:p>
+          <a:p>
+            <a:pPr lvl="1"/>
+            <a:r>
+              <a:rPr lang="en-US" dirty="0" smtClean="0">
+                <a:solidFill>
+                  <a:srgbClr val="D16349"/>
+                </a:solidFill>
+              </a:rPr>
+              <a:t>Emotional Connections</a:t>
+            </a:r>
+            <a:r>
+              <a:rPr lang="en-US" dirty="0" smtClean="0"/>
+              <a:t>: Anecdotes, references, images, music</a:t>
+            </a:r>
+          </a:p>
+          <a:p>
+            <a:pPr lvl="1"/>
+            <a:endParaRPr lang="en-US" dirty="0" smtClean="0"/>
+          </a:p>
+          <a:p>
+            <a:pPr lvl="1"/>
+            <a:endParaRPr lang="en-US" dirty="0" smtClean="0"/>
+          </a:p>
+          <a:p>
+            <a:pPr lvl="1"/>
+            <a:endParaRPr lang="en-US" dirty="0"/>
+          </a:p>
         </p:txBody>
       </p:sp>
     </p:spTree>
     <p:extLst>
       <p:ext uri="{BB962C8B-B14F-4D97-AF65-F5344CB8AC3E}">
-        <p14:creationId xmlns:p14="http://schemas.microsoft.com/office/powerpoint/2010/main" val="2392187212"/>
+        <p14:creationId xmlns:p14="http://schemas.microsoft.com/office/powerpoint/2010/main" val="1618303154"/>
+      </p:ext>
+    </p:extLst>
+  </p:cSld>
+  <p:clrMapOvr>
+    <a:masterClrMapping/>
+  </p:clrMapOvr>
+  <p:timing>
+    <p:tnLst>
+      <p:par>
+        <p:cTn xmlns:p14="http://schemas.microsoft.com/office/powerpoint/2010/main" id="1" dur="indefinite" restart="never" nodeType="tmRoot"/>
+      </p:par>
+    </p:tnLst>
+  </p:timing>
+</p:sld>
+</file>
+
+<file path=ppt/slides/slide12.xml><?xml version="1.0" encoding="utf-8"?>
+<p:sld xmlns:a="http://schemas.openxmlformats.org/drawingml/2006/main" xmlns:r="http://schemas.openxmlformats.org/officeDocument/2006/relationships" xmlns:p="http://schemas.openxmlformats.org/presentationml/2006/main">
+  <p:cSld>
+    <p:spTree>
+      <p:nvGrpSpPr>
+        <p:cNvPr id="1" name=""/>
+        <p:cNvGrpSpPr/>
+        <p:nvPr/>
+      </p:nvGrpSpPr>
+      <p:grpSpPr>
+        <a:xfrm>
+          <a:off x="0" y="0"/>
+          <a:ext cx="0" cy="0"/>
+          <a:chOff x="0" y="0"/>
+          <a:chExt cx="0" cy="0"/>
+        </a:xfrm>
+      </p:grpSpPr>
+      <p:sp>
+        <p:nvSpPr>
+          <p:cNvPr id="2" name="Title 1"/>
+          <p:cNvSpPr>
+            <a:spLocks noGrp="1"/>
+          </p:cNvSpPr>
+          <p:nvPr>
+            <p:ph type="title"/>
+          </p:nvPr>
+        </p:nvSpPr>
+        <p:spPr/>
+        <p:txBody>
+          <a:bodyPr/>
+          <a:lstStyle/>
+          <a:p>
+            <a:r>
+              <a:rPr lang="en-US" dirty="0" smtClean="0"/>
+              <a:t>Meet Sid Miller</a:t>
+            </a:r>
+            <a:endParaRPr lang="en-US" dirty="0"/>
+          </a:p>
+        </p:txBody>
+      </p:sp>
+      <p:pic>
+        <p:nvPicPr>
+          <p:cNvPr id="4" name="Content Placeholder 3" descr="Screen Shot 2014-02-27 at 8.21.37 AM.png"/>
+          <p:cNvPicPr>
+            <a:picLocks noGrp="1" noChangeAspect="1"/>
+          </p:cNvPicPr>
+          <p:nvPr>
+            <p:ph sz="quarter" idx="1"/>
+          </p:nvPr>
+        </p:nvPicPr>
+        <p:blipFill>
+          <a:blip r:embed="rId2">
+            <a:extLst>
+              <a:ext uri="{28A0092B-C50C-407E-A947-70E740481C1C}">
+                <a14:useLocalDpi xmlns:a14="http://schemas.microsoft.com/office/drawing/2010/main" val="0"/>
+              </a:ext>
+            </a:extLst>
+          </a:blip>
+          <a:srcRect t="2532" b="2532"/>
+          <a:stretch>
+            <a:fillRect/>
+          </a:stretch>
+        </p:blipFill>
+        <p:spPr/>
+      </p:pic>
+      <p:sp>
+        <p:nvSpPr>
+          <p:cNvPr id="5" name="TextBox 4"/>
+          <p:cNvSpPr txBox="1"/>
+          <p:nvPr/>
+        </p:nvSpPr>
+        <p:spPr>
+          <a:xfrm>
+            <a:off x="5946737" y="6068270"/>
+            <a:ext cx="2764624" cy="307777"/>
+          </a:xfrm>
+          <a:prstGeom prst="rect">
+            <a:avLst/>
+          </a:prstGeom>
+          <a:noFill/>
+        </p:spPr>
+        <p:txBody>
+          <a:bodyPr wrap="none" rtlCol="0">
+            <a:spAutoFit/>
+          </a:bodyPr>
+          <a:lstStyle/>
+          <a:p>
+            <a:r>
+              <a:rPr lang="en-US" sz="1400" dirty="0"/>
+              <a:t>http://</a:t>
+            </a:r>
+            <a:r>
+              <a:rPr lang="en-US" sz="1400" dirty="0" err="1"/>
+              <a:t>www.millerfortexas.com</a:t>
+            </a:r>
+            <a:r>
+              <a:rPr lang="en-US" sz="1400" dirty="0"/>
+              <a:t>/</a:t>
+            </a:r>
+          </a:p>
+        </p:txBody>
+      </p:sp>
+    </p:spTree>
+    <p:extLst>
+      <p:ext uri="{BB962C8B-B14F-4D97-AF65-F5344CB8AC3E}">
+        <p14:creationId xmlns:p14="http://schemas.microsoft.com/office/powerpoint/2010/main" val="3236997719"/>
+      </p:ext>
+    </p:extLst>
+  </p:cSld>
+  <p:clrMapOvr>
+    <a:masterClrMapping/>
+  </p:clrMapOvr>
+  <p:timing>
+    <p:tnLst>
+      <p:par>
+        <p:cTn xmlns:p14="http://schemas.microsoft.com/office/powerpoint/2010/main" id="1" dur="indefinite" restart="never" nodeType="tmRoot"/>
+      </p:par>
+    </p:tnLst>
+  </p:timing>
+</p:sld>
+</file>
+
+<file path=ppt/slides/slide13.xml><?xml version="1.0" encoding="utf-8"?>
+<p:sld xmlns:a="http://schemas.openxmlformats.org/drawingml/2006/main" xmlns:r="http://schemas.openxmlformats.org/officeDocument/2006/relationships" xmlns:p="http://schemas.openxmlformats.org/presentationml/2006/main">
+  <p:cSld>
+    <p:spTree>
+      <p:nvGrpSpPr>
+        <p:cNvPr id="1" name=""/>
+        <p:cNvGrpSpPr/>
+        <p:nvPr/>
+      </p:nvGrpSpPr>
+      <p:grpSpPr>
+        <a:xfrm>
+          <a:off x="0" y="0"/>
+          <a:ext cx="0" cy="0"/>
+          <a:chOff x="0" y="0"/>
+          <a:chExt cx="0" cy="0"/>
+        </a:xfrm>
+      </p:grpSpPr>
+      <p:sp>
+        <p:nvSpPr>
+          <p:cNvPr id="2" name="Title 1"/>
+          <p:cNvSpPr>
+            <a:spLocks noGrp="1"/>
+          </p:cNvSpPr>
+          <p:nvPr>
+            <p:ph type="title"/>
+          </p:nvPr>
+        </p:nvSpPr>
+        <p:spPr/>
+        <p:txBody>
+          <a:bodyPr/>
+          <a:lstStyle/>
+          <a:p>
+            <a:r>
+              <a:rPr lang="en-US" dirty="0" smtClean="0"/>
+              <a:t>Meet Joe </a:t>
+            </a:r>
+            <a:r>
+              <a:rPr lang="en-US" dirty="0" err="1" smtClean="0"/>
+              <a:t>Cotten</a:t>
+            </a:r>
+            <a:endParaRPr lang="en-US" dirty="0"/>
+          </a:p>
+        </p:txBody>
+      </p:sp>
+      <p:sp>
+        <p:nvSpPr>
+          <p:cNvPr id="3" name="TextBox 2"/>
+          <p:cNvSpPr txBox="1"/>
+          <p:nvPr/>
+        </p:nvSpPr>
+        <p:spPr>
+          <a:xfrm>
+            <a:off x="3066968" y="5463635"/>
+            <a:ext cx="3441968" cy="369332"/>
+          </a:xfrm>
+          <a:prstGeom prst="rect">
+            <a:avLst/>
+          </a:prstGeom>
+          <a:noFill/>
+        </p:spPr>
+        <p:txBody>
+          <a:bodyPr wrap="none" rtlCol="0">
+            <a:spAutoFit/>
+          </a:bodyPr>
+          <a:lstStyle/>
+          <a:p>
+            <a:r>
+              <a:rPr lang="en-US" dirty="0"/>
+              <a:t>http://</a:t>
+            </a:r>
+            <a:r>
+              <a:rPr lang="en-US" dirty="0" err="1"/>
+              <a:t>youtu.be</a:t>
+            </a:r>
+            <a:r>
+              <a:rPr lang="en-US" dirty="0"/>
+              <a:t>/AfcdCpu0TWA</a:t>
+            </a:r>
+          </a:p>
+        </p:txBody>
+      </p:sp>
+      <p:pic>
+        <p:nvPicPr>
+          <p:cNvPr id="4" name="Picture 3" descr="Screen Shot 2014-02-27 at 8.19.08 AM.png"/>
+          <p:cNvPicPr>
+            <a:picLocks noChangeAspect="1"/>
+          </p:cNvPicPr>
+          <p:nvPr/>
+        </p:nvPicPr>
+        <p:blipFill>
+          <a:blip r:embed="rId2">
+            <a:extLst>
+              <a:ext uri="{28A0092B-C50C-407E-A947-70E740481C1C}">
+                <a14:useLocalDpi xmlns:a14="http://schemas.microsoft.com/office/drawing/2010/main" val="0"/>
+              </a:ext>
+            </a:extLst>
+          </a:blip>
+          <a:stretch>
+            <a:fillRect/>
+          </a:stretch>
+        </p:blipFill>
+        <p:spPr>
+          <a:xfrm>
+            <a:off x="2290955" y="1491906"/>
+            <a:ext cx="4585765" cy="3811654"/>
+          </a:xfrm>
+          <a:prstGeom prst="rect">
+            <a:avLst/>
+          </a:prstGeom>
+        </p:spPr>
+      </p:pic>
+    </p:spTree>
+    <p:extLst>
+      <p:ext uri="{BB962C8B-B14F-4D97-AF65-F5344CB8AC3E}">
+        <p14:creationId xmlns:p14="http://schemas.microsoft.com/office/powerpoint/2010/main" val="2945932321"/>
+      </p:ext>
+    </p:extLst>
+  </p:cSld>
+  <p:clrMapOvr>
+    <a:masterClrMapping/>
+  </p:clrMapOvr>
+  <p:timing>
+    <p:tnLst>
+      <p:par>
+        <p:cTn xmlns:p14="http://schemas.microsoft.com/office/powerpoint/2010/main" id="1" dur="indefinite" restart="never" nodeType="tmRoot"/>
+      </p:par>
+    </p:tnLst>
+  </p:timing>
+</p:sld>
+</file>
+
+<file path=ppt/slides/slide14.xml><?xml version="1.0" encoding="utf-8"?>
+<p:sld xmlns:a="http://schemas.openxmlformats.org/drawingml/2006/main" xmlns:r="http://schemas.openxmlformats.org/officeDocument/2006/relationships" xmlns:p="http://schemas.openxmlformats.org/presentationml/2006/main">
+  <p:cSld>
+    <p:spTree>
+      <p:nvGrpSpPr>
+        <p:cNvPr id="1" name=""/>
+        <p:cNvGrpSpPr/>
+        <p:nvPr/>
+      </p:nvGrpSpPr>
+      <p:grpSpPr>
+        <a:xfrm>
+          <a:off x="0" y="0"/>
+          <a:ext cx="0" cy="0"/>
+          <a:chOff x="0" y="0"/>
+          <a:chExt cx="0" cy="0"/>
+        </a:xfrm>
+      </p:grpSpPr>
+      <p:sp>
+        <p:nvSpPr>
+          <p:cNvPr id="2" name="Title 1"/>
+          <p:cNvSpPr>
+            <a:spLocks noGrp="1"/>
+          </p:cNvSpPr>
+          <p:nvPr>
+            <p:ph type="title"/>
+          </p:nvPr>
+        </p:nvSpPr>
+        <p:spPr/>
+        <p:txBody>
+          <a:bodyPr/>
+          <a:lstStyle/>
+          <a:p>
+            <a:r>
+              <a:rPr lang="en-US" dirty="0" smtClean="0"/>
+              <a:t>Meet J. Allen Carnes</a:t>
+            </a:r>
+            <a:endParaRPr lang="en-US" dirty="0"/>
+          </a:p>
+        </p:txBody>
+      </p:sp>
+      <p:pic>
+        <p:nvPicPr>
+          <p:cNvPr id="4" name="Content Placeholder 3" descr="J_Allen_Carnes_Feb_2014.jpg"/>
+          <p:cNvPicPr>
+            <a:picLocks noGrp="1" noChangeAspect="1"/>
+          </p:cNvPicPr>
+          <p:nvPr>
+            <p:ph sz="quarter" idx="1"/>
+          </p:nvPr>
+        </p:nvPicPr>
+        <p:blipFill>
+          <a:blip r:embed="rId2">
+            <a:extLst>
+              <a:ext uri="{28A0092B-C50C-407E-A947-70E740481C1C}">
+                <a14:useLocalDpi xmlns:a14="http://schemas.microsoft.com/office/drawing/2010/main" val="0"/>
+              </a:ext>
+            </a:extLst>
+          </a:blip>
+          <a:srcRect t="11599" b="11599"/>
+          <a:stretch>
+            <a:fillRect/>
+          </a:stretch>
+        </p:blipFill>
+        <p:spPr>
+          <a:xfrm>
+            <a:off x="1084186" y="1787873"/>
+            <a:ext cx="6988943" cy="3757496"/>
+          </a:xfrm>
+        </p:spPr>
+      </p:pic>
+      <p:sp>
+        <p:nvSpPr>
+          <p:cNvPr id="5" name="TextBox 4"/>
+          <p:cNvSpPr txBox="1"/>
+          <p:nvPr/>
+        </p:nvSpPr>
+        <p:spPr>
+          <a:xfrm>
+            <a:off x="3163759" y="5885576"/>
+            <a:ext cx="3150322" cy="369332"/>
+          </a:xfrm>
+          <a:prstGeom prst="rect">
+            <a:avLst/>
+          </a:prstGeom>
+          <a:noFill/>
+        </p:spPr>
+        <p:txBody>
+          <a:bodyPr wrap="none" rtlCol="0">
+            <a:spAutoFit/>
+          </a:bodyPr>
+          <a:lstStyle/>
+          <a:p>
+            <a:r>
+              <a:rPr lang="en-US" dirty="0"/>
+              <a:t>https://</a:t>
+            </a:r>
+            <a:r>
+              <a:rPr lang="en-US" dirty="0" err="1"/>
+              <a:t>jcarnesfortexas.com</a:t>
+            </a:r>
+            <a:r>
+              <a:rPr lang="en-US" dirty="0"/>
+              <a:t>/</a:t>
+            </a:r>
+          </a:p>
+        </p:txBody>
+      </p:sp>
+    </p:spTree>
+    <p:extLst>
+      <p:ext uri="{BB962C8B-B14F-4D97-AF65-F5344CB8AC3E}">
+        <p14:creationId xmlns:p14="http://schemas.microsoft.com/office/powerpoint/2010/main" val="3608285199"/>
+      </p:ext>
+    </p:extLst>
+  </p:cSld>
+  <p:clrMapOvr>
+    <a:masterClrMapping/>
+  </p:clrMapOvr>
+  <p:timing>
+    <p:tnLst>
+      <p:par>
+        <p:cTn xmlns:p14="http://schemas.microsoft.com/office/powerpoint/2010/main" id="1" dur="indefinite" restart="never" nodeType="tmRoot"/>
+      </p:par>
+    </p:tnLst>
+  </p:timing>
+</p:sld>
+</file>
+
+<file path=ppt/slides/slide15.xml><?xml version="1.0" encoding="utf-8"?>
+<p:sld xmlns:a="http://schemas.openxmlformats.org/drawingml/2006/main" xmlns:r="http://schemas.openxmlformats.org/officeDocument/2006/relationships" xmlns:p="http://schemas.openxmlformats.org/presentationml/2006/main">
+  <p:cSld>
+    <p:spTree>
+      <p:nvGrpSpPr>
+        <p:cNvPr id="1" name=""/>
+        <p:cNvGrpSpPr/>
+        <p:nvPr/>
+      </p:nvGrpSpPr>
+      <p:grpSpPr>
+        <a:xfrm>
+          <a:off x="0" y="0"/>
+          <a:ext cx="0" cy="0"/>
+          <a:chOff x="0" y="0"/>
+          <a:chExt cx="0" cy="0"/>
+        </a:xfrm>
+      </p:grpSpPr>
+      <p:sp>
+        <p:nvSpPr>
+          <p:cNvPr id="2" name="Text Placeholder 1"/>
+          <p:cNvSpPr>
+            <a:spLocks noGrp="1"/>
+          </p:cNvSpPr>
+          <p:nvPr>
+            <p:ph type="body" idx="1"/>
+          </p:nvPr>
+        </p:nvSpPr>
+        <p:spPr>
+          <a:xfrm>
+            <a:off x="1368426" y="2743200"/>
+            <a:ext cx="6480174" cy="3459902"/>
+          </a:xfrm>
+        </p:spPr>
+        <p:txBody>
+          <a:bodyPr>
+            <a:normAutofit fontScale="85000" lnSpcReduction="20000"/>
+          </a:bodyPr>
+          <a:lstStyle/>
+          <a:p>
+            <a:r>
+              <a:rPr lang="en-US" i="1" dirty="0" smtClean="0">
+                <a:solidFill>
+                  <a:srgbClr val="D16349"/>
+                </a:solidFill>
+              </a:rPr>
+              <a:t>Ethical appeals:</a:t>
+            </a:r>
+          </a:p>
+          <a:p>
+            <a:r>
+              <a:rPr lang="en-US" i="1" dirty="0" smtClean="0"/>
+              <a:t>The art of sounding trustworthy</a:t>
+            </a:r>
+          </a:p>
+          <a:p>
+            <a:r>
+              <a:rPr lang="en-US" dirty="0" smtClean="0"/>
+              <a:t>situated &amp; invented</a:t>
+            </a:r>
+          </a:p>
+          <a:p>
+            <a:r>
+              <a:rPr lang="en-US" dirty="0" smtClean="0"/>
+              <a:t>Commonplaces</a:t>
+            </a:r>
+          </a:p>
+          <a:p>
+            <a:endParaRPr lang="en-US" dirty="0"/>
+          </a:p>
+          <a:p>
+            <a:r>
+              <a:rPr lang="en-US" i="1" dirty="0" smtClean="0">
+                <a:solidFill>
+                  <a:srgbClr val="D16349"/>
+                </a:solidFill>
+              </a:rPr>
+              <a:t>Emotional appeals:</a:t>
+            </a:r>
+          </a:p>
+          <a:p>
+            <a:r>
+              <a:rPr lang="en-US" i="1" dirty="0" smtClean="0"/>
+              <a:t>The art of producing emotions</a:t>
+            </a:r>
+          </a:p>
+          <a:p>
+            <a:r>
+              <a:rPr lang="en-US" dirty="0" smtClean="0"/>
+              <a:t>Emotional keywords,</a:t>
+            </a:r>
+          </a:p>
+          <a:p>
+            <a:r>
+              <a:rPr lang="en-US" dirty="0" smtClean="0"/>
+              <a:t>Disparaging/honorific language,</a:t>
+            </a:r>
+          </a:p>
+          <a:p>
+            <a:r>
+              <a:rPr lang="en-US" dirty="0" smtClean="0"/>
+              <a:t>Emotional connection</a:t>
+            </a:r>
+          </a:p>
+          <a:p>
+            <a:endParaRPr lang="en-US" dirty="0"/>
+          </a:p>
+          <a:p>
+            <a:r>
+              <a:rPr lang="en-US" dirty="0" smtClean="0">
+                <a:solidFill>
+                  <a:srgbClr val="D16349"/>
+                </a:solidFill>
+              </a:rPr>
+              <a:t>Analysis</a:t>
+            </a:r>
+          </a:p>
+          <a:p>
+            <a:r>
+              <a:rPr lang="en-US" dirty="0" smtClean="0"/>
+              <a:t>The detailed </a:t>
+            </a:r>
+            <a:r>
+              <a:rPr lang="en-US" dirty="0"/>
+              <a:t>examination of the elements or structure of something, typically as a basis for </a:t>
+            </a:r>
+            <a:r>
+              <a:rPr lang="en-US" dirty="0" smtClean="0"/>
+              <a:t>interpretation</a:t>
+            </a:r>
+            <a:r>
+              <a:rPr lang="en-US" dirty="0"/>
+              <a:t>.</a:t>
+            </a:r>
+          </a:p>
+        </p:txBody>
+      </p:sp>
+      <p:sp>
+        <p:nvSpPr>
+          <p:cNvPr id="3" name="Title 2"/>
+          <p:cNvSpPr>
+            <a:spLocks noGrp="1"/>
+          </p:cNvSpPr>
+          <p:nvPr>
+            <p:ph type="title"/>
+          </p:nvPr>
+        </p:nvSpPr>
+        <p:spPr>
+          <a:xfrm>
+            <a:off x="722313" y="601032"/>
+            <a:ext cx="7772400" cy="1002760"/>
+          </a:xfrm>
+        </p:spPr>
+        <p:txBody>
+          <a:bodyPr/>
+          <a:lstStyle/>
+          <a:p>
+            <a:r>
+              <a:rPr lang="en-US" dirty="0" smtClean="0"/>
+              <a:t>Daily Recap</a:t>
+            </a:r>
+            <a:endParaRPr lang="en-US" dirty="0"/>
+          </a:p>
+        </p:txBody>
+      </p:sp>
+    </p:spTree>
+    <p:extLst>
+      <p:ext uri="{BB962C8B-B14F-4D97-AF65-F5344CB8AC3E}">
+        <p14:creationId xmlns:p14="http://schemas.microsoft.com/office/powerpoint/2010/main" val="4053822892"/>
       </p:ext>
     </p:extLst>
   </p:cSld>
@@ -6438,12 +7456,12 @@
       </p:grpSpPr>
       <p:sp>
         <p:nvSpPr>
-          <p:cNvPr id="2" name="Text Placeholder 1"/>
+          <p:cNvPr id="2" name="Title 1"/>
           <p:cNvSpPr>
             <a:spLocks noGrp="1"/>
           </p:cNvSpPr>
           <p:nvPr>
-            <p:ph type="body" idx="1"/>
+            <p:ph type="title"/>
           </p:nvPr>
         </p:nvSpPr>
         <p:spPr/>
@@ -6453,7 +7471,7 @@
           <a:p>
             <a:r>
               <a:rPr lang="en-US" dirty="0" smtClean="0"/>
-              <a:t>An “author-based” structure</a:t>
+              <a:t>Writing break: Verbs of Attribution</a:t>
             </a:r>
             <a:endParaRPr lang="en-US" dirty="0"/>
           </a:p>
@@ -6461,247 +7479,217 @@
       </p:sp>
       <p:sp>
         <p:nvSpPr>
-          <p:cNvPr id="3" name="Text Placeholder 2"/>
+          <p:cNvPr id="3" name="Content Placeholder 2"/>
           <p:cNvSpPr>
             <a:spLocks noGrp="1"/>
           </p:cNvSpPr>
           <p:nvPr>
-            <p:ph type="body" sz="half" idx="3"/>
+            <p:ph sz="quarter" idx="1"/>
           </p:nvPr>
         </p:nvSpPr>
         <p:spPr/>
         <p:txBody>
-          <a:bodyPr/>
-          <a:lstStyle/>
-          <a:p>
+          <a:bodyPr numCol="2">
+            <a:normAutofit lnSpcReduction="10000"/>
+          </a:bodyPr>
+          <a:lstStyle/>
+          <a:p>
+            <a:pPr marL="0" indent="0">
+              <a:buNone/>
+            </a:pPr>
+            <a:r>
+              <a:rPr lang="en-GB" dirty="0" smtClean="0"/>
+              <a:t>Problems of repetition…</a:t>
+            </a:r>
+          </a:p>
+          <a:p>
+            <a:pPr marL="274320" lvl="1" indent="0">
+              <a:buNone/>
+            </a:pPr>
+            <a:r>
+              <a:rPr lang="en-GB" dirty="0" smtClean="0"/>
+              <a:t>“Lara </a:t>
+            </a:r>
+            <a:r>
+              <a:rPr lang="en-GB" dirty="0" err="1" smtClean="0"/>
+              <a:t>Pellegrinelli</a:t>
+            </a:r>
+            <a:r>
+              <a:rPr lang="en-GB" dirty="0" smtClean="0"/>
+              <a:t> also writes that…”</a:t>
+            </a:r>
+          </a:p>
+          <a:p>
+            <a:pPr marL="274320" lvl="1" indent="0">
+              <a:buNone/>
+            </a:pPr>
             <a:r>
               <a:rPr lang="en-US" dirty="0" smtClean="0"/>
-              <a:t>A “position-based” structure</a:t>
-            </a:r>
-            <a:endParaRPr lang="en-US" dirty="0"/>
-          </a:p>
-        </p:txBody>
-      </p:sp>
-      <p:sp>
-        <p:nvSpPr>
-          <p:cNvPr id="4" name="Content Placeholder 3"/>
-          <p:cNvSpPr>
-            <a:spLocks noGrp="1"/>
-          </p:cNvSpPr>
-          <p:nvPr>
-            <p:ph sz="quarter" idx="2"/>
-          </p:nvPr>
-        </p:nvSpPr>
-        <p:spPr/>
-        <p:txBody>
-          <a:bodyPr>
-            <a:normAutofit fontScale="77500" lnSpcReduction="20000"/>
-          </a:bodyPr>
-          <a:lstStyle/>
-          <a:p>
+              <a:t>“</a:t>
+            </a:r>
+            <a:r>
+              <a:rPr lang="en-US" dirty="0"/>
+              <a:t>Thomas Ricks writes </a:t>
+            </a:r>
             <a:r>
               <a:rPr lang="en-US" dirty="0" smtClean="0"/>
-              <a:t>Introduction</a:t>
-            </a:r>
-          </a:p>
-          <a:p>
+              <a:t>about…”</a:t>
+            </a:r>
+          </a:p>
+          <a:p>
+            <a:pPr marL="274320" lvl="1" indent="0">
+              <a:buNone/>
+            </a:pPr>
             <a:r>
               <a:rPr lang="en-US" dirty="0" smtClean="0"/>
-              <a:t>Background</a:t>
-            </a:r>
-          </a:p>
-          <a:p>
+              <a:t>“Suzan York…</a:t>
+            </a:r>
+            <a:r>
+              <a:rPr lang="en-US" i="1" dirty="0" smtClean="0"/>
+              <a:t> </a:t>
+            </a:r>
+            <a:r>
+              <a:rPr lang="en-US" dirty="0"/>
+              <a:t>writes </a:t>
+            </a:r>
             <a:r>
               <a:rPr lang="en-US" dirty="0" smtClean="0"/>
-              <a:t>Author 1</a:t>
+              <a:t>about…”</a:t>
+            </a:r>
+          </a:p>
+          <a:p>
+            <a:pPr marL="274320" lvl="1" indent="0">
+              <a:buNone/>
+            </a:pPr>
+            <a:endParaRPr lang="en-US" dirty="0" smtClean="0"/>
+          </a:p>
+          <a:p>
+            <a:pPr marL="0" indent="0">
+              <a:buNone/>
+            </a:pPr>
+            <a:r>
+              <a:rPr lang="en-US" dirty="0" smtClean="0"/>
+              <a:t>And of meaning…</a:t>
+            </a:r>
+          </a:p>
+          <a:p>
+            <a:pPr marL="274320" lvl="1" indent="0">
+              <a:buNone/>
+            </a:pPr>
+            <a:r>
+              <a:rPr lang="en-US" dirty="0" smtClean="0"/>
+              <a:t>“He reasons why…”</a:t>
+            </a:r>
+          </a:p>
+          <a:p>
+            <a:pPr marL="274320" lvl="1" indent="0">
+              <a:buNone/>
+            </a:pPr>
+            <a:r>
+              <a:rPr lang="en-US" dirty="0" smtClean="0"/>
+              <a:t>“He expressed…”</a:t>
+            </a:r>
+          </a:p>
+          <a:p>
+            <a:pPr marL="274320" lvl="1" indent="0">
+              <a:buNone/>
+            </a:pPr>
+            <a:r>
+              <a:rPr lang="en-US" dirty="0" smtClean="0"/>
+              <a:t> </a:t>
+            </a:r>
+          </a:p>
+          <a:p>
+            <a:pPr marL="274320" lvl="1" indent="0">
+              <a:buNone/>
+            </a:pPr>
+            <a:endParaRPr lang="en-US" dirty="0" smtClean="0"/>
+          </a:p>
+          <a:p>
+            <a:pPr marL="274320" lvl="1" indent="0">
+              <a:buNone/>
+            </a:pPr>
+            <a:endParaRPr lang="en-US" dirty="0" smtClean="0"/>
+          </a:p>
+          <a:p>
+            <a:pPr marL="274320" lvl="1" indent="0">
+              <a:buNone/>
+            </a:pPr>
+            <a:r>
+              <a:rPr lang="en-US" dirty="0" smtClean="0"/>
+              <a:t>Some alternative terms:</a:t>
             </a:r>
           </a:p>
           <a:p>
             <a:pPr lvl="1"/>
             <a:r>
+              <a:rPr lang="en-US" dirty="0" smtClean="0"/>
+              <a:t>Addresses, discusses, describes, illustrates, </a:t>
+            </a:r>
+          </a:p>
+          <a:p>
+            <a:pPr lvl="1"/>
+            <a:r>
+              <a:rPr lang="en-US" dirty="0" smtClean="0"/>
+              <a:t>Alleges, argues, claims, declares, reveals, shows, suggests, concludes</a:t>
+            </a:r>
+          </a:p>
+          <a:p>
+            <a:pPr lvl="1"/>
+            <a:r>
+              <a:rPr lang="en-US" dirty="0" smtClean="0"/>
+              <a:t>Proposes, hypothesizes, speculates</a:t>
+            </a:r>
+          </a:p>
+          <a:p>
+            <a:pPr lvl="1"/>
+            <a:r>
+              <a:rPr lang="en-US" dirty="0" smtClean="0"/>
+              <a:t>Agrees, concurs</a:t>
+            </a:r>
+          </a:p>
+          <a:p>
+            <a:pPr lvl="1"/>
+            <a:r>
+              <a:rPr lang="en-US" dirty="0" smtClean="0"/>
+              <a:t>Disagrees, disputes, denies</a:t>
+            </a:r>
+          </a:p>
+          <a:p>
+            <a:pPr marL="274320" lvl="1" indent="0">
+              <a:buNone/>
+            </a:pPr>
+            <a:r>
               <a:rPr lang="en-US" sz="1500" dirty="0" smtClean="0"/>
-              <a:t>The Rolling Stones take the position that folk music is dead.</a:t>
-            </a:r>
-            <a:br>
+              <a:t>(see</a:t>
+            </a:r>
+            <a:r>
+              <a:rPr lang="en-US" sz="1500" dirty="0"/>
+              <a:t>: http://</a:t>
+            </a:r>
+            <a:r>
+              <a:rPr lang="en-US" sz="1500" dirty="0" err="1"/>
+              <a:t>personal.crocodoc.com</a:t>
+            </a:r>
+            <a:r>
+              <a:rPr lang="en-US" sz="1500" dirty="0"/>
+              <a:t>/</a:t>
+            </a:r>
+            <a:r>
+              <a:rPr lang="en-US" sz="1500" dirty="0" err="1" smtClean="0"/>
+              <a:t>YyUDwdO</a:t>
+            </a:r>
+            <a:r>
               <a:rPr lang="en-US" sz="1500" dirty="0" smtClean="0"/>
-            </a:br>
-            <a:endParaRPr lang="en-US" sz="1500" dirty="0" smtClean="0"/>
-          </a:p>
-          <a:p>
-            <a:r>
-              <a:rPr lang="en-US" dirty="0" smtClean="0"/>
-              <a:t>Author 2</a:t>
-            </a:r>
-          </a:p>
-          <a:p>
-            <a:pPr lvl="1"/>
-            <a:r>
-              <a:rPr lang="en-US" sz="1500" dirty="0" err="1" smtClean="0"/>
-              <a:t>Arlo</a:t>
-            </a:r>
-            <a:r>
-              <a:rPr lang="en-US" sz="1500" dirty="0" smtClean="0"/>
-              <a:t> Guthrie, in contrast, thinks folk music will never die.</a:t>
-            </a:r>
-            <a:br>
-              <a:rPr lang="en-US" sz="1500" dirty="0" smtClean="0"/>
-            </a:br>
-            <a:r>
-              <a:rPr lang="en-US" sz="1500" dirty="0" smtClean="0"/>
-              <a:t/>
-            </a:r>
-            <a:br>
-              <a:rPr lang="en-US" sz="1500" dirty="0" smtClean="0"/>
-            </a:br>
-            <a:endParaRPr lang="en-US" sz="1500" dirty="0" smtClean="0"/>
-          </a:p>
-          <a:p>
-            <a:r>
-              <a:rPr lang="en-US" dirty="0" smtClean="0"/>
-              <a:t>Author 3</a:t>
-            </a:r>
-          </a:p>
-          <a:p>
-            <a:pPr lvl="1"/>
-            <a:r>
-              <a:rPr lang="en-US" sz="1600" dirty="0" smtClean="0"/>
-              <a:t>Bob Dylan takes a third path, seeing a place for both folk and electronic music</a:t>
-            </a:r>
-            <a:r>
-              <a:rPr lang="en-US" sz="1800" dirty="0" smtClean="0"/>
-              <a:t>.</a:t>
-            </a:r>
-            <a:br>
-              <a:rPr lang="en-US" sz="1800" dirty="0" smtClean="0"/>
-            </a:br>
-            <a:r>
-              <a:rPr lang="en-US" sz="1800" dirty="0" smtClean="0"/>
-              <a:t/>
-            </a:r>
-            <a:br>
-              <a:rPr lang="en-US" sz="1800" dirty="0" smtClean="0"/>
-            </a:br>
-            <a:endParaRPr lang="en-US" sz="1800" dirty="0" smtClean="0"/>
-          </a:p>
-          <a:p>
-            <a:r>
-              <a:rPr lang="en-US" dirty="0" smtClean="0"/>
-              <a:t>Conclusion</a:t>
-            </a:r>
-          </a:p>
-        </p:txBody>
-      </p:sp>
-      <p:sp>
-        <p:nvSpPr>
-          <p:cNvPr id="5" name="Content Placeholder 4"/>
-          <p:cNvSpPr>
-            <a:spLocks noGrp="1"/>
-          </p:cNvSpPr>
-          <p:nvPr>
-            <p:ph sz="quarter" idx="4"/>
-          </p:nvPr>
-        </p:nvSpPr>
-        <p:spPr/>
-        <p:txBody>
-          <a:bodyPr>
-            <a:normAutofit fontScale="62500" lnSpcReduction="20000"/>
-          </a:bodyPr>
-          <a:lstStyle/>
-          <a:p>
-            <a:r>
-              <a:rPr lang="en-US" dirty="0" smtClean="0"/>
-              <a:t>Introduction</a:t>
-            </a:r>
-          </a:p>
-          <a:p>
-            <a:r>
-              <a:rPr lang="en-US" dirty="0" smtClean="0"/>
-              <a:t>Background</a:t>
-            </a:r>
-          </a:p>
-          <a:p>
-            <a:r>
-              <a:rPr lang="en-US" dirty="0" smtClean="0"/>
-              <a:t>Position 1</a:t>
-            </a:r>
-          </a:p>
-          <a:p>
-            <a:pPr lvl="1"/>
-            <a:r>
-              <a:rPr lang="en-US" dirty="0" smtClean="0"/>
-              <a:t>Many people think that since the invention of the electronic guitar, folk music is a thing of the past. For example…</a:t>
-            </a:r>
-          </a:p>
-          <a:p>
-            <a:r>
-              <a:rPr lang="en-US" dirty="0" smtClean="0"/>
-              <a:t>Position 2</a:t>
-            </a:r>
-          </a:p>
-          <a:p>
-            <a:pPr lvl="1"/>
-            <a:r>
-              <a:rPr lang="en-US" dirty="0" smtClean="0"/>
-              <a:t>Not everyone agrees. Some people believe that folk music is a form of music that transcends history and technological advances. For example, </a:t>
-            </a:r>
-            <a:r>
-              <a:rPr lang="en-US" dirty="0" err="1" smtClean="0"/>
-              <a:t>Arlo</a:t>
-            </a:r>
-            <a:r>
-              <a:rPr lang="en-US" dirty="0" smtClean="0"/>
-              <a:t> Guthrie…</a:t>
-            </a:r>
-          </a:p>
-          <a:p>
-            <a:r>
-              <a:rPr lang="en-US" dirty="0" smtClean="0"/>
-              <a:t>Position 3</a:t>
-            </a:r>
-          </a:p>
-          <a:p>
-            <a:pPr lvl="1"/>
-            <a:r>
-              <a:rPr lang="en-US" dirty="0" smtClean="0"/>
-              <a:t>Though some people have strong positions for or against folk music, many artists have found ways to work between mediums. Bob Dylan and Nirvana are two example. Bob Dylan says….</a:t>
-            </a:r>
-          </a:p>
-          <a:p>
-            <a:r>
-              <a:rPr lang="en-US" dirty="0" smtClean="0"/>
-              <a:t>Conclusion</a:t>
-            </a:r>
-            <a:endParaRPr lang="en-US" dirty="0"/>
-          </a:p>
-        </p:txBody>
-      </p:sp>
-      <p:sp>
-        <p:nvSpPr>
-          <p:cNvPr id="6" name="Title 5"/>
-          <p:cNvSpPr>
-            <a:spLocks noGrp="1"/>
-          </p:cNvSpPr>
-          <p:nvPr>
-            <p:ph type="title"/>
-          </p:nvPr>
-        </p:nvSpPr>
-        <p:spPr/>
-        <p:txBody>
-          <a:bodyPr/>
-          <a:lstStyle/>
-          <a:p>
-            <a:r>
-              <a:rPr lang="en-US" dirty="0" smtClean="0"/>
-              <a:t>Essay 1.1: Structural revision</a:t>
-            </a:r>
-            <a:endParaRPr lang="en-US" dirty="0"/>
+              <a:t>)</a:t>
+            </a:r>
           </a:p>
         </p:txBody>
       </p:sp>
     </p:spTree>
     <p:extLst>
       <p:ext uri="{BB962C8B-B14F-4D97-AF65-F5344CB8AC3E}">
-        <p14:creationId xmlns:p14="http://schemas.microsoft.com/office/powerpoint/2010/main" val="113178926"/>
+        <p14:creationId xmlns:p14="http://schemas.microsoft.com/office/powerpoint/2010/main" val="3849144615"/>
       </p:ext>
     </p:extLst>
   </p:cSld>
@@ -6737,450 +7725,117 @@
       </p:grpSpPr>
       <p:sp>
         <p:nvSpPr>
-          <p:cNvPr id="2" name="Title 1"/>
+          <p:cNvPr id="2" name="Text Placeholder 1"/>
           <p:cNvSpPr>
             <a:spLocks noGrp="1"/>
           </p:cNvSpPr>
           <p:nvPr>
-            <p:ph type="title"/>
-          </p:nvPr>
-        </p:nvSpPr>
-        <p:spPr/>
-        <p:txBody>
-          <a:bodyPr/>
-          <a:lstStyle/>
-          <a:p>
-            <a:r>
-              <a:rPr lang="en-US" dirty="0" smtClean="0"/>
-              <a:t>Essay 1.2: Requirements</a:t>
-            </a:r>
-            <a:endParaRPr lang="en-US" dirty="0"/>
-          </a:p>
-        </p:txBody>
-      </p:sp>
-      <p:sp>
-        <p:nvSpPr>
-          <p:cNvPr id="3" name="Content Placeholder 2"/>
-          <p:cNvSpPr>
-            <a:spLocks noGrp="1"/>
-          </p:cNvSpPr>
-          <p:nvPr>
-            <p:ph sz="quarter" idx="1"/>
-          </p:nvPr>
-        </p:nvSpPr>
-        <p:spPr/>
+            <p:ph type="body" idx="1"/>
+          </p:nvPr>
+        </p:nvSpPr>
+        <p:spPr>
+          <a:xfrm>
+            <a:off x="1368426" y="2743199"/>
+            <a:ext cx="6480174" cy="3516603"/>
+          </a:xfrm>
+        </p:spPr>
         <p:txBody>
           <a:bodyPr>
-            <a:normAutofit/>
+            <a:normAutofit fontScale="85000" lnSpcReduction="20000"/>
           </a:bodyPr>
           <a:lstStyle/>
           <a:p>
             <a:r>
-              <a:rPr lang="tr-TR" dirty="0" err="1" smtClean="0"/>
-              <a:t>Your</a:t>
-            </a:r>
-            <a:r>
-              <a:rPr lang="tr-TR" dirty="0" smtClean="0"/>
-              <a:t> </a:t>
-            </a:r>
-            <a:r>
-              <a:rPr lang="tr-TR" dirty="0" err="1"/>
-              <a:t>cover</a:t>
-            </a:r>
-            <a:r>
-              <a:rPr lang="tr-TR" dirty="0"/>
-              <a:t> </a:t>
-            </a:r>
-            <a:r>
-              <a:rPr lang="tr-TR" dirty="0" err="1"/>
-              <a:t>page</a:t>
-            </a:r>
-            <a:r>
-              <a:rPr lang="tr-TR" dirty="0"/>
-              <a:t> </a:t>
-            </a:r>
-            <a:r>
-              <a:rPr lang="tr-TR" dirty="0" err="1"/>
-              <a:t>for</a:t>
-            </a:r>
-            <a:r>
-              <a:rPr lang="tr-TR" dirty="0"/>
-              <a:t> </a:t>
-            </a:r>
-            <a:r>
-              <a:rPr lang="tr-TR" dirty="0" err="1"/>
-              <a:t>essay</a:t>
-            </a:r>
-            <a:r>
-              <a:rPr lang="tr-TR" dirty="0"/>
-              <a:t> 1.2 </a:t>
-            </a:r>
-            <a:r>
-              <a:rPr lang="tr-TR" dirty="0" err="1"/>
-              <a:t>should</a:t>
-            </a:r>
-            <a:r>
-              <a:rPr lang="tr-TR" dirty="0"/>
-              <a:t> </a:t>
-            </a:r>
-            <a:r>
-              <a:rPr lang="tr-TR" dirty="0" err="1"/>
-              <a:t>include</a:t>
-            </a:r>
-            <a:r>
-              <a:rPr lang="tr-TR" dirty="0"/>
-              <a:t>:</a:t>
-            </a:r>
-          </a:p>
-          <a:p>
-            <a:pPr lvl="1"/>
-            <a:r>
-              <a:rPr lang="tr-TR" dirty="0"/>
-              <a:t>Name</a:t>
-            </a:r>
-          </a:p>
-          <a:p>
-            <a:pPr lvl="1"/>
-            <a:r>
-              <a:rPr lang="tr-TR" dirty="0" err="1"/>
-              <a:t>Date</a:t>
-            </a:r>
-            <a:endParaRPr lang="tr-TR" dirty="0"/>
-          </a:p>
-          <a:p>
-            <a:pPr lvl="1"/>
-            <a:r>
-              <a:rPr lang="tr-TR" dirty="0" err="1"/>
-              <a:t>Essay</a:t>
-            </a:r>
-            <a:r>
-              <a:rPr lang="tr-TR" dirty="0"/>
-              <a:t> </a:t>
-            </a:r>
-            <a:r>
-              <a:rPr lang="tr-TR" dirty="0" err="1"/>
-              <a:t>title</a:t>
-            </a:r>
-            <a:endParaRPr lang="tr-TR" dirty="0"/>
-          </a:p>
-          <a:p>
-            <a:pPr lvl="1"/>
-            <a:r>
-              <a:rPr lang="tr-TR" dirty="0" err="1"/>
-              <a:t>Essay</a:t>
-            </a:r>
-            <a:r>
-              <a:rPr lang="tr-TR" dirty="0"/>
-              <a:t> </a:t>
-            </a:r>
-            <a:r>
-              <a:rPr lang="tr-TR" dirty="0" err="1"/>
-              <a:t>subtitle</a:t>
-            </a:r>
-            <a:r>
-              <a:rPr lang="tr-TR" dirty="0"/>
-              <a:t>: “</a:t>
-            </a:r>
-            <a:r>
-              <a:rPr lang="tr-TR" dirty="0" err="1"/>
-              <a:t>Essay</a:t>
-            </a:r>
-            <a:r>
-              <a:rPr lang="tr-TR" dirty="0"/>
-              <a:t> 1.2”</a:t>
-            </a:r>
-          </a:p>
-          <a:p>
-            <a:pPr lvl="1"/>
-            <a:r>
-              <a:rPr lang="tr-TR" dirty="0"/>
-              <a:t>A </a:t>
-            </a:r>
-            <a:r>
-              <a:rPr lang="tr-TR" dirty="0" err="1"/>
-              <a:t>brief</a:t>
-            </a:r>
-            <a:r>
-              <a:rPr lang="tr-TR" dirty="0"/>
-              <a:t> </a:t>
-            </a:r>
-            <a:r>
-              <a:rPr lang="tr-TR" dirty="0" err="1"/>
-              <a:t>description</a:t>
-            </a:r>
-            <a:r>
-              <a:rPr lang="tr-TR" dirty="0"/>
-              <a:t> of </a:t>
-            </a:r>
-            <a:r>
-              <a:rPr lang="tr-TR" dirty="0" err="1"/>
-              <a:t>your</a:t>
-            </a:r>
-            <a:r>
-              <a:rPr lang="tr-TR" dirty="0"/>
-              <a:t> </a:t>
-            </a:r>
-            <a:r>
-              <a:rPr lang="tr-TR" dirty="0" err="1"/>
-              <a:t>three</a:t>
-            </a:r>
-            <a:r>
-              <a:rPr lang="tr-TR" dirty="0"/>
-              <a:t> </a:t>
-            </a:r>
-            <a:r>
-              <a:rPr lang="tr-TR" dirty="0" err="1"/>
-              <a:t>revision</a:t>
-            </a:r>
-            <a:r>
-              <a:rPr lang="tr-TR" dirty="0"/>
-              <a:t> </a:t>
-            </a:r>
-            <a:r>
-              <a:rPr lang="tr-TR" dirty="0" err="1"/>
-              <a:t>goals</a:t>
-            </a:r>
-            <a:r>
-              <a:rPr lang="tr-TR" dirty="0"/>
-              <a:t> (</a:t>
-            </a:r>
-            <a:r>
-              <a:rPr lang="tr-TR" dirty="0" err="1"/>
-              <a:t>you</a:t>
-            </a:r>
-            <a:r>
-              <a:rPr lang="tr-TR" dirty="0"/>
-              <a:t> can </a:t>
-            </a:r>
-            <a:r>
-              <a:rPr lang="tr-TR" dirty="0" err="1"/>
-              <a:t>copy</a:t>
-            </a:r>
-            <a:r>
-              <a:rPr lang="tr-TR" dirty="0"/>
-              <a:t> </a:t>
-            </a:r>
-            <a:r>
-              <a:rPr lang="tr-TR" dirty="0" err="1"/>
-              <a:t>from</a:t>
-            </a:r>
-            <a:r>
-              <a:rPr lang="tr-TR" dirty="0"/>
-              <a:t> </a:t>
-            </a:r>
-            <a:r>
-              <a:rPr lang="tr-TR" dirty="0" err="1"/>
-              <a:t>my</a:t>
-            </a:r>
-            <a:r>
-              <a:rPr lang="tr-TR" dirty="0"/>
-              <a:t> e-mail).</a:t>
-            </a:r>
-          </a:p>
-          <a:p>
-            <a:pPr lvl="1"/>
-            <a:r>
-              <a:rPr lang="tr-TR" dirty="0" err="1"/>
-              <a:t>For</a:t>
-            </a:r>
-            <a:r>
-              <a:rPr lang="tr-TR" dirty="0"/>
-              <a:t> </a:t>
-            </a:r>
-            <a:r>
-              <a:rPr lang="tr-TR" dirty="0" err="1"/>
-              <a:t>each</a:t>
-            </a:r>
-            <a:r>
-              <a:rPr lang="tr-TR" dirty="0"/>
-              <a:t> </a:t>
-            </a:r>
-            <a:r>
-              <a:rPr lang="tr-TR" dirty="0" err="1"/>
-              <a:t>revision</a:t>
-            </a:r>
-            <a:r>
-              <a:rPr lang="tr-TR" dirty="0"/>
-              <a:t> </a:t>
-            </a:r>
-            <a:r>
-              <a:rPr lang="tr-TR" dirty="0" err="1"/>
-              <a:t>goal</a:t>
-            </a:r>
-            <a:r>
-              <a:rPr lang="tr-TR" dirty="0"/>
-              <a:t>, </a:t>
-            </a:r>
-            <a:r>
-              <a:rPr lang="tr-TR" dirty="0" err="1"/>
-              <a:t>several</a:t>
-            </a:r>
-            <a:r>
-              <a:rPr lang="tr-TR" dirty="0"/>
-              <a:t> </a:t>
-            </a:r>
-            <a:r>
-              <a:rPr lang="tr-TR" dirty="0" err="1"/>
-              <a:t>sentences</a:t>
-            </a:r>
-            <a:r>
-              <a:rPr lang="tr-TR" dirty="0"/>
-              <a:t> </a:t>
-            </a:r>
-            <a:r>
-              <a:rPr lang="tr-TR" dirty="0" err="1"/>
-              <a:t>describing</a:t>
-            </a:r>
-            <a:r>
-              <a:rPr lang="tr-TR" dirty="0"/>
-              <a:t> </a:t>
-            </a:r>
-            <a:r>
-              <a:rPr lang="tr-TR" dirty="0" err="1"/>
-              <a:t>your</a:t>
-            </a:r>
-            <a:r>
-              <a:rPr lang="tr-TR" dirty="0"/>
-              <a:t> </a:t>
-            </a:r>
-            <a:r>
-              <a:rPr lang="tr-TR" dirty="0" err="1"/>
-              <a:t>efforts</a:t>
-            </a:r>
-            <a:r>
-              <a:rPr lang="tr-TR" dirty="0"/>
-              <a:t> </a:t>
-            </a:r>
-            <a:r>
-              <a:rPr lang="tr-TR" dirty="0" err="1"/>
-              <a:t>to</a:t>
-            </a:r>
-            <a:r>
-              <a:rPr lang="tr-TR" dirty="0"/>
-              <a:t> </a:t>
-            </a:r>
-            <a:r>
-              <a:rPr lang="tr-TR" dirty="0" err="1"/>
-              <a:t>meet</a:t>
-            </a:r>
-            <a:r>
-              <a:rPr lang="tr-TR" dirty="0"/>
-              <a:t> </a:t>
-            </a:r>
-            <a:r>
-              <a:rPr lang="tr-TR" dirty="0" err="1"/>
-              <a:t>your</a:t>
-            </a:r>
-            <a:r>
-              <a:rPr lang="tr-TR" dirty="0"/>
-              <a:t> </a:t>
-            </a:r>
-            <a:r>
-              <a:rPr lang="tr-TR" dirty="0" err="1"/>
-              <a:t>revision</a:t>
-            </a:r>
-            <a:r>
-              <a:rPr lang="tr-TR" dirty="0"/>
-              <a:t> </a:t>
-            </a:r>
-            <a:r>
-              <a:rPr lang="tr-TR" dirty="0" err="1"/>
-              <a:t>goal</a:t>
-            </a:r>
-            <a:r>
-              <a:rPr lang="tr-TR" dirty="0"/>
-              <a:t>.</a:t>
-            </a:r>
-          </a:p>
-          <a:p>
-            <a:r>
-              <a:rPr lang="en-US" dirty="0" smtClean="0"/>
-              <a:t>Grading is based on…</a:t>
-            </a:r>
-            <a:endParaRPr lang="en-US" dirty="0"/>
-          </a:p>
-        </p:txBody>
-      </p:sp>
-    </p:spTree>
-    <p:extLst>
-      <p:ext uri="{BB962C8B-B14F-4D97-AF65-F5344CB8AC3E}">
-        <p14:creationId xmlns:p14="http://schemas.microsoft.com/office/powerpoint/2010/main" val="3849144615"/>
-      </p:ext>
-    </p:extLst>
-  </p:cSld>
-  <p:clrMapOvr>
-    <a:masterClrMapping/>
-  </p:clrMapOvr>
-  <p:timing>
-    <p:tnLst>
-      <p:par>
-        <p:cTn xmlns:p14="http://schemas.microsoft.com/office/powerpoint/2010/main" id="1" dur="indefinite" restart="never" nodeType="tmRoot"/>
-      </p:par>
-    </p:tnLst>
-  </p:timing>
-</p:sld>
-</file>
-
-<file path=ppt/slides/slide4.xml><?xml version="1.0" encoding="utf-8"?>
-<p:sld xmlns:a="http://schemas.openxmlformats.org/drawingml/2006/main" xmlns:r="http://schemas.openxmlformats.org/officeDocument/2006/relationships" xmlns:p="http://schemas.openxmlformats.org/presentationml/2006/main">
-  <p:cSld>
-    <p:spTree>
-      <p:nvGrpSpPr>
-        <p:cNvPr id="1" name=""/>
-        <p:cNvGrpSpPr/>
-        <p:nvPr/>
-      </p:nvGrpSpPr>
-      <p:grpSpPr>
-        <a:xfrm>
-          <a:off x="0" y="0"/>
-          <a:ext cx="0" cy="0"/>
-          <a:chOff x="0" y="0"/>
-          <a:chExt cx="0" cy="0"/>
-        </a:xfrm>
-      </p:grpSpPr>
-      <p:sp>
-        <p:nvSpPr>
-          <p:cNvPr id="2" name="Text Placeholder 1"/>
-          <p:cNvSpPr>
-            <a:spLocks noGrp="1"/>
-          </p:cNvSpPr>
-          <p:nvPr>
-            <p:ph type="body" idx="1"/>
-          </p:nvPr>
-        </p:nvSpPr>
-        <p:spPr/>
-        <p:txBody>
-          <a:bodyPr>
-            <a:normAutofit/>
-          </a:bodyPr>
-          <a:lstStyle/>
-          <a:p>
-            <a:pPr marL="342900" indent="-342900">
+              <a:rPr lang="en-US" sz="2800" dirty="0" smtClean="0">
+                <a:solidFill>
+                  <a:srgbClr val="D16349"/>
+                </a:solidFill>
+              </a:rPr>
+              <a:t>Rhetorical analysis</a:t>
+            </a:r>
+          </a:p>
+          <a:p>
+            <a:pPr marL="514350" indent="-514350">
               <a:buAutoNum type="arabicPeriod"/>
             </a:pPr>
             <a:r>
-              <a:rPr lang="en-US" sz="2800" dirty="0" smtClean="0"/>
-              <a:t>Trust</a:t>
-            </a:r>
-          </a:p>
-          <a:p>
-            <a:pPr marL="342900" indent="-342900">
+              <a:rPr lang="en-US" sz="2000" cap="none" dirty="0" smtClean="0"/>
+              <a:t>Identifying </a:t>
+            </a:r>
+            <a:r>
+              <a:rPr lang="en-US" sz="2000" cap="none" dirty="0" smtClean="0"/>
+              <a:t>the tools of persuasion </a:t>
+            </a:r>
+            <a:br>
+              <a:rPr lang="en-US" sz="2000" cap="none" dirty="0" smtClean="0"/>
+            </a:br>
+            <a:r>
+              <a:rPr lang="en-US" sz="2000" b="0" cap="none" dirty="0" smtClean="0"/>
+              <a:t>(how are they persuading </a:t>
+            </a:r>
+            <a:r>
+              <a:rPr lang="en-US" sz="2000" b="0" cap="none" dirty="0" smtClean="0"/>
+              <a:t>us?)</a:t>
+            </a:r>
+            <a:endParaRPr lang="en-US" sz="2000" b="0" cap="none" dirty="0" smtClean="0"/>
+          </a:p>
+          <a:p>
+            <a:pPr marL="514350" indent="-514350">
               <a:buAutoNum type="arabicPeriod"/>
             </a:pPr>
             <a:r>
-              <a:rPr lang="en-US" sz="2800" dirty="0" smtClean="0"/>
-              <a:t>Feelings</a:t>
-            </a:r>
-          </a:p>
-          <a:p>
-            <a:pPr marL="342900" indent="-342900">
+              <a:rPr lang="en-US" sz="2000" cap="none" dirty="0" smtClean="0"/>
+              <a:t>Analyzing the effect of persuasive tools </a:t>
+            </a:r>
+            <a:r>
+              <a:rPr lang="en-US" sz="2000" b="0" cap="none" dirty="0" smtClean="0"/>
+              <a:t>(why are they persuading us this way?)</a:t>
+            </a:r>
+            <a:endParaRPr lang="en-US" sz="2000" b="0" cap="none" dirty="0" smtClean="0"/>
+          </a:p>
+          <a:p>
+            <a:pPr marL="514350" indent="-514350">
               <a:buAutoNum type="arabicPeriod"/>
             </a:pPr>
             <a:r>
-              <a:rPr lang="en-US" sz="2800" dirty="0" smtClean="0"/>
-              <a:t>Truth</a:t>
-            </a:r>
-            <a:endParaRPr lang="en-US" sz="2800" dirty="0"/>
+              <a:rPr lang="en-US" sz="2000" cap="none" dirty="0" smtClean="0"/>
+              <a:t>Evaluating the effectiveness of persuasive tools</a:t>
+            </a:r>
+            <a:br>
+              <a:rPr lang="en-US" sz="2000" cap="none" dirty="0" smtClean="0"/>
+            </a:br>
+            <a:r>
+              <a:rPr lang="en-US" sz="2000" b="0" cap="none" dirty="0" smtClean="0"/>
+              <a:t>(are they persuading us?)</a:t>
+            </a:r>
+          </a:p>
+          <a:p>
+            <a:endParaRPr lang="en-US" sz="2000" cap="none" dirty="0" smtClean="0"/>
+          </a:p>
+          <a:p>
+            <a:r>
+              <a:rPr lang="en-US" sz="2400" dirty="0" smtClean="0">
+                <a:solidFill>
+                  <a:srgbClr val="D16349"/>
+                </a:solidFill>
+              </a:rPr>
+              <a:t>Analysis</a:t>
+            </a:r>
+          </a:p>
+          <a:p>
+            <a:r>
+              <a:rPr lang="en-US" sz="2000" cap="none" dirty="0" smtClean="0"/>
+              <a:t>The detailed examination of the elements or structure of something, typically as a basis for interpretation.</a:t>
+            </a:r>
+          </a:p>
+          <a:p>
+            <a:endParaRPr lang="en-US" sz="2400" dirty="0"/>
+          </a:p>
+          <a:p>
+            <a:pPr marL="514350" indent="-514350">
+              <a:buAutoNum type="arabicPeriod"/>
+            </a:pPr>
+            <a:endParaRPr lang="en-US" sz="2000" cap="none" dirty="0"/>
           </a:p>
         </p:txBody>
       </p:sp>
@@ -7194,14 +7849,19 @@
             <p:ph type="title"/>
           </p:nvPr>
         </p:nvSpPr>
-        <p:spPr/>
+        <p:spPr>
+          <a:xfrm>
+            <a:off x="722313" y="533400"/>
+            <a:ext cx="7772400" cy="1020211"/>
+          </a:xfrm>
+        </p:spPr>
         <p:txBody>
           <a:bodyPr/>
           <a:lstStyle/>
           <a:p>
             <a:r>
               <a:rPr lang="en-US" dirty="0" smtClean="0"/>
-              <a:t>Three Approaches to Rhetorical Analysis</a:t>
+              <a:t>Review: Rhetorical Analysis</a:t>
             </a:r>
             <a:endParaRPr lang="en-US" dirty="0"/>
           </a:p>
@@ -7298,6 +7958,194 @@
 </p:sld>
 </file>
 
+<file path=ppt/slides/slide4.xml><?xml version="1.0" encoding="utf-8"?>
+<p:sld xmlns:a="http://schemas.openxmlformats.org/drawingml/2006/main" xmlns:r="http://schemas.openxmlformats.org/officeDocument/2006/relationships" xmlns:p="http://schemas.openxmlformats.org/presentationml/2006/main">
+  <p:cSld>
+    <p:spTree>
+      <p:nvGrpSpPr>
+        <p:cNvPr id="1" name=""/>
+        <p:cNvGrpSpPr/>
+        <p:nvPr/>
+      </p:nvGrpSpPr>
+      <p:grpSpPr>
+        <a:xfrm>
+          <a:off x="0" y="0"/>
+          <a:ext cx="0" cy="0"/>
+          <a:chOff x="0" y="0"/>
+          <a:chExt cx="0" cy="0"/>
+        </a:xfrm>
+      </p:grpSpPr>
+      <p:sp>
+        <p:nvSpPr>
+          <p:cNvPr id="2" name="Text Placeholder 1"/>
+          <p:cNvSpPr>
+            <a:spLocks noGrp="1"/>
+          </p:cNvSpPr>
+          <p:nvPr>
+            <p:ph type="body" idx="1"/>
+          </p:nvPr>
+        </p:nvSpPr>
+        <p:spPr/>
+        <p:txBody>
+          <a:bodyPr>
+            <a:normAutofit/>
+          </a:bodyPr>
+          <a:lstStyle/>
+          <a:p>
+            <a:pPr marL="342900" indent="-342900">
+              <a:buAutoNum type="arabicPeriod"/>
+            </a:pPr>
+            <a:r>
+              <a:rPr lang="en-US" sz="2800" dirty="0" smtClean="0"/>
+              <a:t>Trust</a:t>
+            </a:r>
+          </a:p>
+          <a:p>
+            <a:pPr marL="342900" indent="-342900">
+              <a:buAutoNum type="arabicPeriod"/>
+            </a:pPr>
+            <a:r>
+              <a:rPr lang="en-US" sz="2800" dirty="0" smtClean="0"/>
+              <a:t>Feelings</a:t>
+            </a:r>
+          </a:p>
+          <a:p>
+            <a:pPr marL="342900" indent="-342900">
+              <a:buAutoNum type="arabicPeriod"/>
+            </a:pPr>
+            <a:r>
+              <a:rPr lang="en-US" sz="2800" dirty="0" smtClean="0"/>
+              <a:t>Truth</a:t>
+            </a:r>
+            <a:endParaRPr lang="en-US" sz="2800" dirty="0"/>
+          </a:p>
+        </p:txBody>
+      </p:sp>
+      <p:sp>
+        <p:nvSpPr>
+          <p:cNvPr id="3" name="Title 2"/>
+          <p:cNvSpPr>
+            <a:spLocks noGrp="1"/>
+          </p:cNvSpPr>
+          <p:nvPr>
+            <p:ph type="title"/>
+          </p:nvPr>
+        </p:nvSpPr>
+        <p:spPr>
+          <a:xfrm>
+            <a:off x="722313" y="306186"/>
+            <a:ext cx="7772400" cy="1553611"/>
+          </a:xfrm>
+        </p:spPr>
+        <p:txBody>
+          <a:bodyPr>
+            <a:normAutofit/>
+          </a:bodyPr>
+          <a:lstStyle/>
+          <a:p>
+            <a:r>
+              <a:rPr lang="en-US" dirty="0" smtClean="0"/>
+              <a:t>Review: Approaches </a:t>
+            </a:r>
+            <a:r>
+              <a:rPr lang="en-US" dirty="0" smtClean="0"/>
+              <a:t>to Rhetorical Analysis</a:t>
+            </a:r>
+            <a:endParaRPr lang="en-US" dirty="0"/>
+          </a:p>
+        </p:txBody>
+      </p:sp>
+    </p:spTree>
+    <p:extLst>
+      <p:ext uri="{BB962C8B-B14F-4D97-AF65-F5344CB8AC3E}">
+        <p14:creationId xmlns:p14="http://schemas.microsoft.com/office/powerpoint/2010/main" val="947604806"/>
+      </p:ext>
+    </p:extLst>
+  </p:cSld>
+  <p:clrMapOvr>
+    <a:masterClrMapping/>
+  </p:clrMapOvr>
+  <p:timing>
+    <p:tnLst>
+      <p:par>
+        <p:cTn xmlns:p14="http://schemas.microsoft.com/office/powerpoint/2010/main" id="1" dur="indefinite" restart="never" nodeType="tmRoot">
+          <p:childTnLst>
+            <p:seq concurrent="1" nextAc="seek">
+              <p:cTn id="2" dur="indefinite" nodeType="mainSeq">
+                <p:childTnLst>
+                  <p:par>
+                    <p:cTn id="3" fill="hold">
+                      <p:stCondLst>
+                        <p:cond delay="indefinite"/>
+                      </p:stCondLst>
+                      <p:childTnLst>
+                        <p:par>
+                          <p:cTn id="4" fill="hold">
+                            <p:stCondLst>
+                              <p:cond delay="0"/>
+                            </p:stCondLst>
+                            <p:childTnLst>
+                              <p:par>
+                                <p:cTn id="5" presetID="3" presetClass="emph" presetSubtype="2" fill="hold" grpId="0" nodeType="clickEffect">
+                                  <p:stCondLst>
+                                    <p:cond delay="0"/>
+                                  </p:stCondLst>
+                                  <p:childTnLst>
+                                    <p:animClr clrSpc="rgb" dir="cw">
+                                      <p:cBhvr override="childStyle">
+                                        <p:cTn id="6" dur="2000" fill="hold"/>
+                                        <p:tgtEl>
+                                          <p:spTgt spid="2">
+                                            <p:txEl>
+                                              <p:pRg st="0" end="0"/>
+                                            </p:txEl>
+                                          </p:spTgt>
+                                        </p:tgtEl>
+                                        <p:attrNameLst>
+                                          <p:attrName>style.color</p:attrName>
+                                        </p:attrNameLst>
+                                      </p:cBhvr>
+                                      <p:to>
+                                        <a:schemeClr val="accent2"/>
+                                      </p:to>
+                                    </p:animClr>
+                                  </p:childTnLst>
+                                </p:cTn>
+                              </p:par>
+                            </p:childTnLst>
+                          </p:cTn>
+                        </p:par>
+                      </p:childTnLst>
+                    </p:cTn>
+                  </p:par>
+                </p:childTnLst>
+              </p:cTn>
+              <p:prevCondLst>
+                <p:cond evt="onPrev" delay="0">
+                  <p:tgtEl>
+                    <p:sldTgt/>
+                  </p:tgtEl>
+                </p:cond>
+              </p:prevCondLst>
+              <p:nextCondLst>
+                <p:cond evt="onNext" delay="0">
+                  <p:tgtEl>
+                    <p:sldTgt/>
+                  </p:tgtEl>
+                </p:cond>
+              </p:nextCondLst>
+            </p:seq>
+          </p:childTnLst>
+        </p:cTn>
+      </p:par>
+    </p:tnLst>
+    <p:bldLst>
+      <p:bldP spid="2" grpId="0" build="p"/>
+    </p:bldLst>
+  </p:timing>
+</p:sld>
+</file>
+
 <file path=ppt/slides/slide5.xml><?xml version="1.0" encoding="utf-8"?>
 <p:sld xmlns:a="http://schemas.openxmlformats.org/drawingml/2006/main" xmlns:r="http://schemas.openxmlformats.org/officeDocument/2006/relationships" xmlns:p="http://schemas.openxmlformats.org/presentationml/2006/main">
   <p:cSld>
@@ -7317,44 +8165,62 @@
       </p:grpSpPr>
       <p:pic>
         <p:nvPicPr>
-          <p:cNvPr id="9" name="Content Placeholder 8" descr="clarkent.jpg"/>
+          <p:cNvPr id="8" name="Content Placeholder 7" descr="batman.jpg"/>
           <p:cNvPicPr>
             <a:picLocks noGrp="1" noChangeAspect="1"/>
           </p:cNvPicPr>
           <p:nvPr>
-            <p:ph sz="quarter" idx="2"/>
+            <p:ph sz="quarter" idx="4"/>
           </p:nvPr>
         </p:nvPicPr>
-        <p:blipFill rotWithShape="1">
-          <a:blip r:embed="rId2">
+        <p:blipFill>
+          <a:blip r:embed="rId3" cstate="print">
             <a:extLst>
               <a:ext uri="{28A0092B-C50C-407E-A947-70E740481C1C}">
                 <a14:useLocalDpi xmlns:a14="http://schemas.microsoft.com/office/drawing/2010/main" val="0"/>
               </a:ext>
             </a:extLst>
           </a:blip>
-          <a:srcRect l="-1937" r="37066"/>
-          <a:stretch/>
+          <a:srcRect l="16971" r="16971"/>
+          <a:stretch>
+            <a:fillRect/>
+          </a:stretch>
         </p:blipFill>
-        <p:spPr>
-          <a:xfrm>
-            <a:off x="429826" y="2475638"/>
-            <a:ext cx="3660802" cy="3817937"/>
-          </a:xfrm>
-        </p:spPr>
+        <p:spPr/>
       </p:pic>
+      <p:sp>
+        <p:nvSpPr>
+          <p:cNvPr id="6" name="Title 5"/>
+          <p:cNvSpPr>
+            <a:spLocks noGrp="1"/>
+          </p:cNvSpPr>
+          <p:nvPr>
+            <p:ph type="title"/>
+          </p:nvPr>
+        </p:nvSpPr>
+        <p:spPr/>
+        <p:txBody>
+          <a:bodyPr/>
+          <a:lstStyle/>
+          <a:p>
+            <a:r>
+              <a:rPr lang="en-US" dirty="0" smtClean="0"/>
+              <a:t>Writing exercise: getting in the door</a:t>
+            </a:r>
+            <a:endParaRPr lang="en-US" dirty="0"/>
+          </a:p>
+        </p:txBody>
+      </p:sp>
       <p:pic>
         <p:nvPicPr>
-          <p:cNvPr id="10" name="Content Placeholder 9" descr="thedarkknightrises05.jpg"/>
+          <p:cNvPr id="9" name="Content Placeholder 9" descr="thedarkknightrises05.jpg"/>
           <p:cNvPicPr>
-            <a:picLocks noGrp="1" noChangeAspect="1"/>
+            <a:picLocks noChangeAspect="1"/>
           </p:cNvPicPr>
-          <p:nvPr>
-            <p:ph sz="quarter" idx="4"/>
-          </p:nvPr>
+          <p:nvPr/>
         </p:nvPicPr>
         <p:blipFill>
-          <a:blip r:embed="rId3" cstate="print">
+          <a:blip r:embed="rId4" cstate="print">
             <a:extLst>
               <a:ext uri="{28A0092B-C50C-407E-A947-70E740481C1C}">
                 <a14:useLocalDpi xmlns:a14="http://schemas.microsoft.com/office/drawing/2010/main" val="0"/>
@@ -7366,35 +8232,20 @@
             <a:fillRect/>
           </a:stretch>
         </p:blipFill>
-        <p:spPr/>
+        <p:spPr>
+          <a:xfrm>
+            <a:off x="304800" y="2471383"/>
+            <a:ext cx="4038600" cy="3822192"/>
+          </a:xfrm>
+          <a:prstGeom prst="rect">
+            <a:avLst/>
+          </a:prstGeom>
+        </p:spPr>
       </p:pic>
-      <p:sp>
-        <p:nvSpPr>
-          <p:cNvPr id="6" name="Title 5"/>
-          <p:cNvSpPr>
-            <a:spLocks noGrp="1"/>
-          </p:cNvSpPr>
-          <p:nvPr>
-            <p:ph type="title"/>
-          </p:nvPr>
-        </p:nvSpPr>
-        <p:spPr/>
-        <p:txBody>
-          <a:bodyPr/>
-          <a:lstStyle/>
-          <a:p>
-            <a:r>
-              <a:rPr lang="en-US" dirty="0" smtClean="0"/>
-              <a:t>Who do you trust more?</a:t>
-            </a:r>
-            <a:endParaRPr lang="en-US" dirty="0"/>
-          </a:p>
-        </p:txBody>
-      </p:sp>
     </p:spTree>
     <p:extLst>
       <p:ext uri="{BB962C8B-B14F-4D97-AF65-F5344CB8AC3E}">
-        <p14:creationId xmlns:p14="http://schemas.microsoft.com/office/powerpoint/2010/main" val="2201656081"/>
+        <p14:creationId xmlns:p14="http://schemas.microsoft.com/office/powerpoint/2010/main" val="477274516"/>
       </p:ext>
     </p:extLst>
   </p:cSld>
@@ -7428,74 +8279,75 @@
           <a:chExt cx="0" cy="0"/>
         </a:xfrm>
       </p:grpSpPr>
-      <p:pic>
-        <p:nvPicPr>
-          <p:cNvPr id="7" name="Content Placeholder 6" descr="Superman.jpg"/>
-          <p:cNvPicPr>
-            <a:picLocks noGrp="1" noChangeAspect="1"/>
-          </p:cNvPicPr>
-          <p:nvPr>
-            <p:ph sz="quarter" idx="2"/>
-          </p:nvPr>
-        </p:nvPicPr>
-        <p:blipFill>
-          <a:blip r:embed="rId2">
-            <a:extLst>
-              <a:ext uri="{28A0092B-C50C-407E-A947-70E740481C1C}">
-                <a14:useLocalDpi xmlns:a14="http://schemas.microsoft.com/office/drawing/2010/main" val="0"/>
-              </a:ext>
-            </a:extLst>
-          </a:blip>
-          <a:srcRect l="-37934" r="-37934"/>
-          <a:stretch>
-            <a:fillRect/>
-          </a:stretch>
-        </p:blipFill>
+      <p:sp>
+        <p:nvSpPr>
+          <p:cNvPr id="2" name="Title 1"/>
+          <p:cNvSpPr>
+            <a:spLocks noGrp="1"/>
+          </p:cNvSpPr>
+          <p:nvPr>
+            <p:ph type="title"/>
+          </p:nvPr>
+        </p:nvSpPr>
         <p:spPr/>
-      </p:pic>
-      <p:pic>
-        <p:nvPicPr>
-          <p:cNvPr id="8" name="Content Placeholder 7" descr="batman.jpg"/>
-          <p:cNvPicPr>
-            <a:picLocks noGrp="1" noChangeAspect="1"/>
-          </p:cNvPicPr>
-          <p:nvPr>
-            <p:ph sz="quarter" idx="4"/>
-          </p:nvPr>
-        </p:nvPicPr>
-        <p:blipFill>
-          <a:blip r:embed="rId3" cstate="print">
-            <a:extLst>
-              <a:ext uri="{28A0092B-C50C-407E-A947-70E740481C1C}">
-                <a14:useLocalDpi xmlns:a14="http://schemas.microsoft.com/office/drawing/2010/main" val="0"/>
-              </a:ext>
-            </a:extLst>
-          </a:blip>
-          <a:srcRect l="16971" r="16971"/>
-          <a:stretch>
-            <a:fillRect/>
-          </a:stretch>
-        </p:blipFill>
+        <p:txBody>
+          <a:bodyPr/>
+          <a:lstStyle/>
+          <a:p>
+            <a:r>
+              <a:rPr lang="en-US" dirty="0" smtClean="0"/>
+              <a:t>Establishing Authority</a:t>
+            </a:r>
+            <a:endParaRPr lang="en-US" dirty="0"/>
+          </a:p>
+        </p:txBody>
+      </p:sp>
+      <p:sp>
+        <p:nvSpPr>
+          <p:cNvPr id="3" name="Content Placeholder 2"/>
+          <p:cNvSpPr>
+            <a:spLocks noGrp="1"/>
+          </p:cNvSpPr>
+          <p:nvPr>
+            <p:ph sz="quarter" idx="1"/>
+          </p:nvPr>
+        </p:nvSpPr>
         <p:spPr/>
-      </p:pic>
-      <p:sp>
-        <p:nvSpPr>
-          <p:cNvPr id="6" name="Title 5"/>
-          <p:cNvSpPr>
-            <a:spLocks noGrp="1"/>
-          </p:cNvSpPr>
-          <p:nvPr>
-            <p:ph type="title"/>
-          </p:nvPr>
-        </p:nvSpPr>
-        <p:spPr/>
         <p:txBody>
           <a:bodyPr/>
           <a:lstStyle/>
           <a:p>
             <a:r>
               <a:rPr lang="en-US" dirty="0" smtClean="0"/>
-              <a:t>Who do you trust more?</a:t>
+              <a:t>“Situated ethos”: The authority you carry with you</a:t>
+            </a:r>
+            <a:br>
+              <a:rPr lang="en-US" dirty="0" smtClean="0"/>
+            </a:br>
+            <a:endParaRPr lang="en-US" dirty="0" smtClean="0"/>
+          </a:p>
+          <a:p>
+            <a:r>
+              <a:rPr lang="en-US" dirty="0" smtClean="0"/>
+              <a:t>“Invented ethos”: the authority you establish through self-presentation</a:t>
+            </a:r>
+            <a:br>
+              <a:rPr lang="en-US" dirty="0" smtClean="0"/>
+            </a:br>
+            <a:endParaRPr lang="en-US" dirty="0" smtClean="0"/>
+          </a:p>
+          <a:p>
+            <a:r>
+              <a:rPr lang="en-US" dirty="0"/>
+              <a:t>Commonplaces: what everyone in a given community believes </a:t>
+            </a:r>
+            <a:r>
+              <a:rPr lang="en-US" i="1" dirty="0"/>
+              <a:t>without thinking about </a:t>
+            </a:r>
+            <a:r>
+              <a:rPr lang="en-US" i="1" dirty="0" smtClean="0"/>
+              <a:t>it</a:t>
             </a:r>
             <a:endParaRPr lang="en-US" dirty="0"/>
           </a:p>
@@ -7504,7 +8356,7 @@
     </p:spTree>
     <p:extLst>
       <p:ext uri="{BB962C8B-B14F-4D97-AF65-F5344CB8AC3E}">
-        <p14:creationId xmlns:p14="http://schemas.microsoft.com/office/powerpoint/2010/main" val="477274516"/>
+        <p14:creationId xmlns:p14="http://schemas.microsoft.com/office/powerpoint/2010/main" val="2392187212"/>
       </p:ext>
     </p:extLst>
   </p:cSld>
@@ -7548,101 +8400,60 @@
             <p:ph type="body" idx="1"/>
           </p:nvPr>
         </p:nvSpPr>
-        <p:spPr>
-          <a:xfrm>
-            <a:off x="301752" y="1524000"/>
-            <a:ext cx="8537448" cy="732974"/>
-          </a:xfrm>
-        </p:spPr>
+        <p:spPr/>
+        <p:txBody>
+          <a:bodyPr>
+            <a:normAutofit/>
+          </a:bodyPr>
+          <a:lstStyle/>
+          <a:p>
+            <a:pPr marL="342900" indent="-342900">
+              <a:buAutoNum type="arabicPeriod"/>
+            </a:pPr>
+            <a:r>
+              <a:rPr lang="en-US" sz="2800" dirty="0" smtClean="0"/>
+              <a:t>Trust</a:t>
+            </a:r>
+          </a:p>
+          <a:p>
+            <a:pPr marL="342900" indent="-342900">
+              <a:buAutoNum type="arabicPeriod"/>
+            </a:pPr>
+            <a:r>
+              <a:rPr lang="en-US" sz="2800" dirty="0" smtClean="0"/>
+              <a:t>Feelings</a:t>
+            </a:r>
+          </a:p>
+          <a:p>
+            <a:pPr marL="342900" indent="-342900">
+              <a:buAutoNum type="arabicPeriod"/>
+            </a:pPr>
+            <a:r>
+              <a:rPr lang="en-US" sz="2800" dirty="0" smtClean="0"/>
+              <a:t>Truth</a:t>
+            </a:r>
+            <a:endParaRPr lang="en-US" sz="2800" dirty="0"/>
+          </a:p>
+        </p:txBody>
+      </p:sp>
+      <p:sp>
+        <p:nvSpPr>
+          <p:cNvPr id="3" name="Title 2"/>
+          <p:cNvSpPr>
+            <a:spLocks noGrp="1"/>
+          </p:cNvSpPr>
+          <p:nvPr>
+            <p:ph type="title"/>
+          </p:nvPr>
+        </p:nvSpPr>
+        <p:spPr/>
         <p:txBody>
           <a:bodyPr/>
           <a:lstStyle/>
           <a:p>
-            <a:pPr algn="ctr"/>
             <a:r>
               <a:rPr lang="en-US" dirty="0" smtClean="0"/>
-              <a:t>…if you are being held hostage by the Joker/</a:t>
-            </a:r>
-            <a:r>
-              <a:rPr lang="en-US" dirty="0" err="1" smtClean="0"/>
-              <a:t>Lex</a:t>
-            </a:r>
-            <a:r>
-              <a:rPr lang="en-US" dirty="0" smtClean="0"/>
-              <a:t> Luther? </a:t>
-            </a:r>
-            <a:endParaRPr lang="en-US" dirty="0"/>
-          </a:p>
-        </p:txBody>
-      </p:sp>
-      <p:pic>
-        <p:nvPicPr>
-          <p:cNvPr id="7" name="Content Placeholder 6" descr="Superman.jpg"/>
-          <p:cNvPicPr>
-            <a:picLocks noGrp="1" noChangeAspect="1"/>
-          </p:cNvPicPr>
-          <p:nvPr>
-            <p:ph sz="quarter" idx="2"/>
-          </p:nvPr>
-        </p:nvPicPr>
-        <p:blipFill>
-          <a:blip r:embed="rId2">
-            <a:extLst>
-              <a:ext uri="{28A0092B-C50C-407E-A947-70E740481C1C}">
-                <a14:useLocalDpi xmlns:a14="http://schemas.microsoft.com/office/drawing/2010/main" val="0"/>
-              </a:ext>
-            </a:extLst>
-          </a:blip>
-          <a:srcRect l="-37934" r="-37934"/>
-          <a:stretch>
-            <a:fillRect/>
-          </a:stretch>
-        </p:blipFill>
-        <p:spPr/>
-      </p:pic>
-      <p:pic>
-        <p:nvPicPr>
-          <p:cNvPr id="8" name="Content Placeholder 7" descr="batman.jpg"/>
-          <p:cNvPicPr>
-            <a:picLocks noGrp="1" noChangeAspect="1"/>
-          </p:cNvPicPr>
-          <p:nvPr>
-            <p:ph sz="quarter" idx="4"/>
-          </p:nvPr>
-        </p:nvPicPr>
-        <p:blipFill>
-          <a:blip r:embed="rId3" cstate="print">
-            <a:extLst>
-              <a:ext uri="{28A0092B-C50C-407E-A947-70E740481C1C}">
-                <a14:useLocalDpi xmlns:a14="http://schemas.microsoft.com/office/drawing/2010/main" val="0"/>
-              </a:ext>
-            </a:extLst>
-          </a:blip>
-          <a:srcRect l="16971" r="16971"/>
-          <a:stretch>
-            <a:fillRect/>
-          </a:stretch>
-        </p:blipFill>
-        <p:spPr/>
-      </p:pic>
-      <p:sp>
-        <p:nvSpPr>
-          <p:cNvPr id="6" name="Title 5"/>
-          <p:cNvSpPr>
-            <a:spLocks noGrp="1"/>
-          </p:cNvSpPr>
-          <p:nvPr>
-            <p:ph type="title"/>
-          </p:nvPr>
-        </p:nvSpPr>
-        <p:spPr/>
-        <p:txBody>
-          <a:bodyPr/>
-          <a:lstStyle/>
-          <a:p>
-            <a:r>
-              <a:rPr lang="en-US" dirty="0" smtClean="0"/>
-              <a:t>Who do you trust more?</a:t>
+              <a:t>Three Approaches to Rhetorical Analysis</a:t>
             </a:r>
             <a:endParaRPr lang="en-US" dirty="0"/>
           </a:p>
@@ -7651,7 +8462,7 @@
     </p:spTree>
     <p:extLst>
       <p:ext uri="{BB962C8B-B14F-4D97-AF65-F5344CB8AC3E}">
-        <p14:creationId xmlns:p14="http://schemas.microsoft.com/office/powerpoint/2010/main" val="2189749200"/>
+        <p14:creationId xmlns:p14="http://schemas.microsoft.com/office/powerpoint/2010/main" val="2214275201"/>
       </p:ext>
     </p:extLst>
   </p:cSld>
@@ -7661,9 +8472,80 @@
   <p:timing>
     <p:tnLst>
       <p:par>
-        <p:cTn xmlns:p14="http://schemas.microsoft.com/office/powerpoint/2010/main" id="1" dur="indefinite" restart="never" nodeType="tmRoot"/>
+        <p:cTn xmlns:p14="http://schemas.microsoft.com/office/powerpoint/2010/main" id="1" dur="indefinite" restart="never" nodeType="tmRoot">
+          <p:childTnLst>
+            <p:seq concurrent="1" nextAc="seek">
+              <p:cTn id="2" dur="indefinite" nodeType="mainSeq">
+                <p:childTnLst>
+                  <p:par>
+                    <p:cTn id="3" fill="hold">
+                      <p:stCondLst>
+                        <p:cond delay="indefinite"/>
+                      </p:stCondLst>
+                      <p:childTnLst>
+                        <p:par>
+                          <p:cTn id="4" fill="hold">
+                            <p:stCondLst>
+                              <p:cond delay="0"/>
+                            </p:stCondLst>
+                            <p:childTnLst>
+                              <p:par>
+                                <p:cTn id="5" presetID="3" presetClass="emph" presetSubtype="2" fill="hold" grpId="0" nodeType="clickEffect">
+                                  <p:stCondLst>
+                                    <p:cond delay="0"/>
+                                  </p:stCondLst>
+                                  <p:childTnLst>
+                                    <p:animClr clrSpc="rgb" dir="cw">
+                                      <p:cBhvr override="childStyle">
+                                        <p:cTn id="6" dur="2000" fill="hold"/>
+                                        <p:tgtEl>
+                                          <p:spTgt spid="2">
+                                            <p:txEl>
+                                              <p:pRg st="1" end="1"/>
+                                            </p:txEl>
+                                          </p:spTgt>
+                                        </p:tgtEl>
+                                        <p:attrNameLst>
+                                          <p:attrName>style.color</p:attrName>
+                                        </p:attrNameLst>
+                                      </p:cBhvr>
+                                      <p:to>
+                                        <a:schemeClr val="accent2"/>
+                                      </p:to>
+                                    </p:animClr>
+                                  </p:childTnLst>
+                                </p:cTn>
+                              </p:par>
+                            </p:childTnLst>
+                          </p:cTn>
+                        </p:par>
+                      </p:childTnLst>
+                    </p:cTn>
+                  </p:par>
+                </p:childTnLst>
+              </p:cTn>
+              <p:prevCondLst>
+                <p:cond evt="onPrev" delay="0">
+                  <p:tgtEl>
+                    <p:sldTgt/>
+                  </p:tgtEl>
+                </p:cond>
+              </p:prevCondLst>
+              <p:nextCondLst>
+                <p:cond evt="onNext" delay="0">
+                  <p:tgtEl>
+                    <p:sldTgt/>
+                  </p:tgtEl>
+                </p:cond>
+              </p:nextCondLst>
+            </p:seq>
+          </p:childTnLst>
+        </p:cTn>
       </p:par>
     </p:tnLst>
+    <p:bldLst>
+      <p:bldP spid="2" grpId="0" uiExpand="1" build="p"/>
+    </p:bldLst>
   </p:timing>
 </p:sld>
 </file>
@@ -7687,109 +8569,241 @@
       </p:grpSpPr>
       <p:sp>
         <p:nvSpPr>
-          <p:cNvPr id="2" name="Text Placeholder 1"/>
+          <p:cNvPr id="2" name="Title 1"/>
           <p:cNvSpPr>
             <a:spLocks noGrp="1"/>
           </p:cNvSpPr>
           <p:nvPr>
-            <p:ph type="body" idx="1"/>
-          </p:nvPr>
-        </p:nvSpPr>
-        <p:spPr>
-          <a:xfrm>
-            <a:off x="301752" y="1524000"/>
-            <a:ext cx="8537448" cy="732974"/>
-          </a:xfrm>
-        </p:spPr>
+            <p:ph type="title"/>
+          </p:nvPr>
+        </p:nvSpPr>
+        <p:spPr/>
         <p:txBody>
           <a:bodyPr/>
           <a:lstStyle/>
           <a:p>
-            <a:pPr algn="ctr"/>
             <a:r>
               <a:rPr lang="en-US" dirty="0" smtClean="0"/>
-              <a:t>…if you are the Joker/</a:t>
-            </a:r>
-            <a:r>
-              <a:rPr lang="en-US" dirty="0" err="1" smtClean="0"/>
-              <a:t>Lex</a:t>
-            </a:r>
+              <a:t>The Texas Department of Agriculture</a:t>
+            </a:r>
+            <a:endParaRPr lang="en-US" dirty="0"/>
+          </a:p>
+        </p:txBody>
+      </p:sp>
+      <p:sp>
+        <p:nvSpPr>
+          <p:cNvPr id="3" name="Content Placeholder 2"/>
+          <p:cNvSpPr>
+            <a:spLocks noGrp="1"/>
+          </p:cNvSpPr>
+          <p:nvPr>
+            <p:ph sz="quarter" idx="1"/>
+          </p:nvPr>
+        </p:nvSpPr>
+        <p:spPr/>
+        <p:txBody>
+          <a:bodyPr numCol="2">
+            <a:normAutofit fontScale="40000" lnSpcReduction="20000"/>
+          </a:bodyPr>
+          <a:lstStyle/>
+          <a:p>
+            <a:pPr marL="0" indent="0">
+              <a:buNone/>
+            </a:pPr>
             <a:r>
               <a:rPr lang="en-US" dirty="0" smtClean="0"/>
-              <a:t> Luther?</a:t>
-            </a:r>
+              <a:t>Consumer </a:t>
+            </a:r>
+            <a:r>
+              <a:rPr lang="en-US" dirty="0"/>
+              <a:t>Protection:</a:t>
+            </a:r>
+          </a:p>
+          <a:p>
             <a:endParaRPr lang="en-US" dirty="0"/>
           </a:p>
-        </p:txBody>
-      </p:sp>
-      <p:pic>
-        <p:nvPicPr>
-          <p:cNvPr id="7" name="Content Placeholder 6" descr="Superman.jpg"/>
-          <p:cNvPicPr>
-            <a:picLocks noGrp="1" noChangeAspect="1"/>
-          </p:cNvPicPr>
-          <p:nvPr>
-            <p:ph sz="quarter" idx="2"/>
-          </p:nvPr>
-        </p:nvPicPr>
-        <p:blipFill>
-          <a:blip r:embed="rId2">
-            <a:extLst>
-              <a:ext uri="{28A0092B-C50C-407E-A947-70E740481C1C}">
-                <a14:useLocalDpi xmlns:a14="http://schemas.microsoft.com/office/drawing/2010/main" val="0"/>
-              </a:ext>
-            </a:extLst>
-          </a:blip>
-          <a:srcRect l="-37934" r="-37934"/>
-          <a:stretch>
-            <a:fillRect/>
-          </a:stretch>
-        </p:blipFill>
-        <p:spPr/>
-      </p:pic>
-      <p:pic>
-        <p:nvPicPr>
-          <p:cNvPr id="8" name="Content Placeholder 7" descr="batman.jpg"/>
-          <p:cNvPicPr>
-            <a:picLocks noGrp="1" noChangeAspect="1"/>
-          </p:cNvPicPr>
-          <p:nvPr>
-            <p:ph sz="quarter" idx="4"/>
-          </p:nvPr>
-        </p:nvPicPr>
-        <p:blipFill>
-          <a:blip r:embed="rId3" cstate="print">
-            <a:extLst>
-              <a:ext uri="{28A0092B-C50C-407E-A947-70E740481C1C}">
-                <a14:useLocalDpi xmlns:a14="http://schemas.microsoft.com/office/drawing/2010/main" val="0"/>
-              </a:ext>
-            </a:extLst>
-          </a:blip>
-          <a:srcRect l="16971" r="16971"/>
-          <a:stretch>
-            <a:fillRect/>
-          </a:stretch>
-        </p:blipFill>
-        <p:spPr/>
-      </p:pic>
-      <p:sp>
-        <p:nvSpPr>
-          <p:cNvPr id="6" name="Title 5"/>
-          <p:cNvSpPr>
-            <a:spLocks noGrp="1"/>
-          </p:cNvSpPr>
-          <p:nvPr>
-            <p:ph type="title"/>
-          </p:nvPr>
-        </p:nvSpPr>
-        <p:spPr/>
-        <p:txBody>
-          <a:bodyPr/>
-          <a:lstStyle/>
-          <a:p>
+          <a:p>
+            <a:r>
+              <a:rPr lang="en-US" dirty="0"/>
+              <a:t>Regulates all fuel pumps in Texas to ensure drivers get the correct quality and amount of fuel</a:t>
+            </a:r>
+          </a:p>
+          <a:p>
+            <a:r>
+              <a:rPr lang="en-US" dirty="0"/>
+              <a:t>Regulates all weights and measures devices, such as grocery store scales and retail price scanners, to ensure consumers are charged advertised prices</a:t>
+            </a:r>
+          </a:p>
+          <a:p>
+            <a:r>
+              <a:rPr lang="en-US" dirty="0"/>
+              <a:t>Regulates pesticide use and application from residential to commercial use</a:t>
+            </a:r>
+          </a:p>
+          <a:p>
+            <a:r>
+              <a:rPr lang="en-US" dirty="0"/>
+              <a:t>Certifies organically-produced products to help ensure consumers have a reliable supply of organic products</a:t>
+            </a:r>
+          </a:p>
+          <a:p>
+            <a:endParaRPr lang="en-US" dirty="0"/>
+          </a:p>
+          <a:p>
+            <a:pPr marL="0" indent="0">
+              <a:buNone/>
+            </a:pPr>
             <a:r>
               <a:rPr lang="en-US" dirty="0" smtClean="0"/>
-              <a:t>Who do you trust more?</a:t>
+              <a:t>Production </a:t>
+            </a:r>
+            <a:r>
+              <a:rPr lang="en-US" dirty="0"/>
+              <a:t>Agriculture:</a:t>
+            </a:r>
+          </a:p>
+          <a:p>
+            <a:endParaRPr lang="en-US" dirty="0"/>
+          </a:p>
+          <a:p>
+            <a:r>
+              <a:rPr lang="en-US" dirty="0"/>
+              <a:t>Protects agricultural crops, such as citrus and cotton, from harmful pests and diseases</a:t>
+            </a:r>
+          </a:p>
+          <a:p>
+            <a:r>
+              <a:rPr lang="en-US" dirty="0"/>
+              <a:t>Facilitates trade and market development of agricultural commodities ranging from livestock to crops to ensure Texas remains the nation's leader in the production of cattle, cotton, hay, sheep, wool, goats, mohair and horses</a:t>
+            </a:r>
+          </a:p>
+          <a:p>
+            <a:r>
+              <a:rPr lang="en-US" dirty="0"/>
+              <a:t>Provides financial assistance to farmers and ranchers in the form of loan guarantees, interest rate reductions and even grants for young farmers</a:t>
+            </a:r>
+          </a:p>
+          <a:p>
+            <a:r>
+              <a:rPr lang="en-US" dirty="0"/>
+              <a:t>Administers grant funds for agricultural research to develop new technologies</a:t>
+            </a:r>
+          </a:p>
+          <a:p>
+            <a:r>
+              <a:rPr lang="en-US" dirty="0"/>
+              <a:t>Advocates for policies at the federal, state, and local level that are beneficial to the $106 billion agriculture sector, which comprises 10% of the Texas economy</a:t>
+            </a:r>
+          </a:p>
+          <a:p>
+            <a:r>
+              <a:rPr lang="en-US" dirty="0"/>
+              <a:t> </a:t>
+            </a:r>
+          </a:p>
+          <a:p>
+            <a:endParaRPr lang="en-US" dirty="0"/>
+          </a:p>
+          <a:p>
+            <a:pPr marL="0" indent="0">
+              <a:buNone/>
+            </a:pPr>
+            <a:r>
+              <a:rPr lang="en-US" dirty="0"/>
+              <a:t>Healthy Living:</a:t>
+            </a:r>
+          </a:p>
+          <a:p>
+            <a:endParaRPr lang="en-US" dirty="0"/>
+          </a:p>
+          <a:p>
+            <a:r>
+              <a:rPr lang="en-US" dirty="0"/>
+              <a:t>Administers the National School Lunch and Breakfast programs for Texas school children</a:t>
+            </a:r>
+          </a:p>
+          <a:p>
+            <a:r>
+              <a:rPr lang="en-US" dirty="0"/>
+              <a:t>Fights obesity in Texas through a statewide campaign highlighting the 3E's of Healthy Living - Education, Exercise and Eating Right</a:t>
+            </a:r>
+          </a:p>
+          <a:p>
+            <a:r>
+              <a:rPr lang="en-US" dirty="0"/>
+              <a:t>Administers assistance to feed the hungry through the Texans Feeding Texans initiative</a:t>
+            </a:r>
+          </a:p>
+          <a:p>
+            <a:endParaRPr lang="en-US" dirty="0"/>
+          </a:p>
+          <a:p>
+            <a:endParaRPr lang="en-US" dirty="0"/>
+          </a:p>
+          <a:p>
+            <a:pPr marL="0" indent="0">
+              <a:buNone/>
+            </a:pPr>
+            <a:r>
+              <a:rPr lang="en-US" dirty="0"/>
+              <a:t>Economic Development:</a:t>
+            </a:r>
+          </a:p>
+          <a:p>
+            <a:endParaRPr lang="en-US" dirty="0"/>
+          </a:p>
+          <a:p>
+            <a:r>
+              <a:rPr lang="en-US" dirty="0"/>
+              <a:t>Provides tools for communities to attract businesses and pursue other economic development opportunities</a:t>
+            </a:r>
+          </a:p>
+          <a:p>
+            <a:r>
+              <a:rPr lang="en-US" dirty="0"/>
+              <a:t>Offers infrastructure grants to rural communities</a:t>
+            </a:r>
+          </a:p>
+          <a:p>
+            <a:r>
+              <a:rPr lang="en-US" dirty="0"/>
+              <a:t>Leads in the development of statewide broadband services</a:t>
+            </a:r>
+          </a:p>
+          <a:p>
+            <a:r>
+              <a:rPr lang="en-US" dirty="0"/>
+              <a:t>Administers the Certified Retirement Community program to attract retirees to the second leading retirement state in the U.S.</a:t>
+            </a:r>
+          </a:p>
+          <a:p>
+            <a:r>
+              <a:rPr lang="en-US" dirty="0"/>
+              <a:t>Markets Texas products, cultures and communities through the GO TEXAN branded </a:t>
+            </a:r>
+            <a:r>
+              <a:rPr lang="en-US" dirty="0" smtClean="0"/>
+              <a:t>campaign</a:t>
+            </a:r>
+          </a:p>
+          <a:p>
+            <a:endParaRPr lang="en-US" dirty="0"/>
+          </a:p>
+          <a:p>
+            <a:endParaRPr lang="en-US" dirty="0" smtClean="0"/>
+          </a:p>
+          <a:p>
+            <a:r>
+              <a:rPr lang="en-US" dirty="0"/>
+              <a:t>(http://</a:t>
+            </a:r>
+            <a:r>
+              <a:rPr lang="en-US" dirty="0" err="1"/>
+              <a:t>www.texasagriculture.gov</a:t>
+            </a:r>
+            <a:r>
+              <a:rPr lang="en-US" dirty="0" smtClean="0"/>
+              <a:t>/)</a:t>
             </a:r>
             <a:endParaRPr lang="en-US" dirty="0"/>
           </a:p>
@@ -7798,7 +8812,7 @@
     </p:spTree>
     <p:extLst>
       <p:ext uri="{BB962C8B-B14F-4D97-AF65-F5344CB8AC3E}">
-        <p14:creationId xmlns:p14="http://schemas.microsoft.com/office/powerpoint/2010/main" val="2474127717"/>
+        <p14:creationId xmlns:p14="http://schemas.microsoft.com/office/powerpoint/2010/main" val="3161406026"/>
       </p:ext>
     </p:extLst>
   </p:cSld>
@@ -7834,110 +8848,239 @@
       </p:grpSpPr>
       <p:sp>
         <p:nvSpPr>
-          <p:cNvPr id="2" name="Text Placeholder 1"/>
+          <p:cNvPr id="2" name="Title 1"/>
           <p:cNvSpPr>
             <a:spLocks noGrp="1"/>
           </p:cNvSpPr>
           <p:nvPr>
-            <p:ph type="body" idx="1"/>
-          </p:nvPr>
-        </p:nvSpPr>
-        <p:spPr>
-          <a:xfrm>
-            <a:off x="301752" y="1524000"/>
-            <a:ext cx="8537448" cy="732974"/>
-          </a:xfrm>
-        </p:spPr>
+            <p:ph type="title"/>
+          </p:nvPr>
+        </p:nvSpPr>
+        <p:spPr/>
         <p:txBody>
           <a:bodyPr/>
           <a:lstStyle/>
           <a:p>
-            <a:pPr algn="ctr"/>
             <a:r>
               <a:rPr lang="en-US" dirty="0" smtClean="0"/>
-              <a:t>…if you are having a heart attack?</a:t>
+              <a:t>…More about Texas Agriculture</a:t>
             </a:r>
             <a:endParaRPr lang="en-US" dirty="0"/>
           </a:p>
         </p:txBody>
       </p:sp>
-      <p:pic>
-        <p:nvPicPr>
-          <p:cNvPr id="7" name="Content Placeholder 6" descr="Superman.jpg"/>
-          <p:cNvPicPr>
-            <a:picLocks noGrp="1" noChangeAspect="1"/>
-          </p:cNvPicPr>
-          <p:nvPr>
-            <p:ph sz="quarter" idx="2"/>
-          </p:nvPr>
-        </p:nvPicPr>
-        <p:blipFill>
-          <a:blip r:embed="rId2">
-            <a:extLst>
-              <a:ext uri="{28A0092B-C50C-407E-A947-70E740481C1C}">
-                <a14:useLocalDpi xmlns:a14="http://schemas.microsoft.com/office/drawing/2010/main" val="0"/>
-              </a:ext>
-            </a:extLst>
-          </a:blip>
-          <a:srcRect l="-37934" r="-37934"/>
-          <a:stretch>
-            <a:fillRect/>
-          </a:stretch>
-        </p:blipFill>
+      <p:sp>
+        <p:nvSpPr>
+          <p:cNvPr id="3" name="Content Placeholder 2"/>
+          <p:cNvSpPr>
+            <a:spLocks noGrp="1"/>
+          </p:cNvSpPr>
+          <p:nvPr>
+            <p:ph sz="quarter" idx="1"/>
+          </p:nvPr>
+        </p:nvSpPr>
         <p:spPr/>
-      </p:pic>
-      <p:pic>
-        <p:nvPicPr>
-          <p:cNvPr id="8" name="Content Placeholder 7" descr="batman.jpg"/>
-          <p:cNvPicPr>
-            <a:picLocks noGrp="1" noChangeAspect="1"/>
-          </p:cNvPicPr>
-          <p:nvPr>
-            <p:ph sz="quarter" idx="4"/>
-          </p:nvPr>
-        </p:nvPicPr>
-        <p:blipFill>
-          <a:blip r:embed="rId3" cstate="print">
-            <a:extLst>
-              <a:ext uri="{28A0092B-C50C-407E-A947-70E740481C1C}">
-                <a14:useLocalDpi xmlns:a14="http://schemas.microsoft.com/office/drawing/2010/main" val="0"/>
-              </a:ext>
-            </a:extLst>
-          </a:blip>
-          <a:srcRect l="16971" r="16971"/>
-          <a:stretch>
-            <a:fillRect/>
-          </a:stretch>
-        </p:blipFill>
-        <p:spPr/>
-      </p:pic>
-      <p:sp>
-        <p:nvSpPr>
-          <p:cNvPr id="6" name="Title 5"/>
-          <p:cNvSpPr>
-            <a:spLocks noGrp="1"/>
-          </p:cNvSpPr>
-          <p:nvPr>
-            <p:ph type="title"/>
-          </p:nvPr>
-        </p:nvSpPr>
-        <p:spPr/>
-        <p:txBody>
-          <a:bodyPr/>
-          <a:lstStyle/>
-          <a:p>
-            <a:r>
-              <a:rPr lang="en-US" dirty="0" smtClean="0"/>
-              <a:t>Who do you trust more?</a:t>
-            </a:r>
-            <a:endParaRPr lang="en-US" dirty="0"/>
+        <p:txBody>
+          <a:bodyPr numCol="2">
+            <a:noAutofit/>
+          </a:bodyPr>
+          <a:lstStyle/>
+          <a:p>
+            <a:endParaRPr lang="en-US" sz="1200" dirty="0" smtClean="0"/>
+          </a:p>
+          <a:p>
+            <a:r>
+              <a:rPr lang="en-US" sz="1200" dirty="0"/>
+              <a:t>Texas leads the nation in cattle, cotton, hay, sheep and wool, and goats and mohair production. </a:t>
+            </a:r>
+          </a:p>
+          <a:p>
+            <a:r>
+              <a:rPr lang="en-US" sz="1200" dirty="0"/>
+              <a:t>Texas leads the nation in number of farms and ranches, with 247,500 farms and ranches covering 130.4 million acres. </a:t>
+            </a:r>
+          </a:p>
+          <a:p>
+            <a:r>
+              <a:rPr lang="en-US" sz="1200" dirty="0"/>
+              <a:t>Texas also leads the nation in value of farm real estate.       </a:t>
+            </a:r>
+          </a:p>
+          <a:p>
+            <a:r>
+              <a:rPr lang="en-US" sz="1200" dirty="0"/>
+              <a:t>Rural lands, including privately owned forest, total 144 million acres, 86% of the state's total land area.        </a:t>
+            </a:r>
+          </a:p>
+          <a:p>
+            <a:r>
+              <a:rPr lang="en-US" sz="1200" dirty="0"/>
+              <a:t>12% of Texas' population resides in rural areas.             </a:t>
+            </a:r>
+          </a:p>
+          <a:p>
+            <a:r>
+              <a:rPr lang="en-US" sz="1200" dirty="0"/>
+              <a:t>1 of every 7 working Texans (14%) is in an agriculture-related job.              </a:t>
+            </a:r>
+          </a:p>
+          <a:p>
+            <a:r>
+              <a:rPr lang="en-US" sz="1200" dirty="0"/>
+              <a:t>98.5% of Texas farms and ranches are family farms, partnerships or family-held corporations.        </a:t>
+            </a:r>
+          </a:p>
+          <a:p>
+            <a:r>
+              <a:rPr lang="en-US" sz="1200" dirty="0"/>
+              <a:t>The average age of Texas farmers and ranchers is 57 years.    </a:t>
+            </a:r>
+          </a:p>
+          <a:p>
+            <a:r>
+              <a:rPr lang="en-US" sz="1200" dirty="0"/>
+              <a:t>The economic impact of the food and fiber sector totals more than $100 billion annually. </a:t>
+            </a:r>
+          </a:p>
+          <a:p>
+            <a:r>
+              <a:rPr lang="en-US" sz="1200" dirty="0"/>
+              <a:t>Agricultural cash receipts, including timber, average $20 billion annually</a:t>
+            </a:r>
+            <a:r>
+              <a:rPr lang="en-US" sz="1200" dirty="0" smtClean="0"/>
+              <a:t>.</a:t>
+            </a:r>
+          </a:p>
+          <a:p>
+            <a:endParaRPr lang="en-US" sz="1200" dirty="0"/>
+          </a:p>
+          <a:p>
+            <a:endParaRPr lang="en-US" sz="1200" dirty="0"/>
+          </a:p>
+          <a:p>
+            <a:r>
+              <a:rPr lang="en-US" sz="1200" dirty="0"/>
+              <a:t>Top 10 commodities in terms of cash receipts in 2012:</a:t>
+            </a:r>
+          </a:p>
+          <a:p>
+            <a:pPr lvl="1"/>
+            <a:r>
+              <a:rPr lang="en-US" sz="1200" dirty="0"/>
+              <a:t>Cattle, $10.5 billion</a:t>
+            </a:r>
+          </a:p>
+          <a:p>
+            <a:pPr lvl="1"/>
+            <a:r>
+              <a:rPr lang="en-US" sz="1200" dirty="0"/>
+              <a:t>Cotton, $2.2 billion</a:t>
+            </a:r>
+          </a:p>
+          <a:p>
+            <a:pPr lvl="1"/>
+            <a:r>
+              <a:rPr lang="en-US" sz="1200" dirty="0"/>
+              <a:t>Milk, $1.8 billion</a:t>
+            </a:r>
+          </a:p>
+          <a:p>
+            <a:pPr lvl="1"/>
+            <a:r>
+              <a:rPr lang="en-US" sz="1200" dirty="0"/>
+              <a:t>Broilers, $1.7 billion</a:t>
+            </a:r>
+          </a:p>
+          <a:p>
+            <a:pPr lvl="1"/>
+            <a:r>
+              <a:rPr lang="en-US" sz="1200" dirty="0"/>
+              <a:t>Greenhouse &amp; nursery, $1.3 billion</a:t>
+            </a:r>
+          </a:p>
+          <a:p>
+            <a:pPr lvl="1"/>
+            <a:r>
+              <a:rPr lang="en-US" sz="1200" dirty="0"/>
+              <a:t>Corn, $1.2 billion</a:t>
+            </a:r>
+          </a:p>
+          <a:p>
+            <a:pPr lvl="1"/>
+            <a:r>
+              <a:rPr lang="en-US" sz="1200" dirty="0"/>
+              <a:t>Grain Sorghum, $594 million</a:t>
+            </a:r>
+          </a:p>
+          <a:p>
+            <a:pPr lvl="1"/>
+            <a:r>
+              <a:rPr lang="en-US" sz="1200" dirty="0"/>
+              <a:t>Wheat, $538 million</a:t>
+            </a:r>
+          </a:p>
+          <a:p>
+            <a:pPr lvl="1"/>
+            <a:r>
+              <a:rPr lang="en-US" sz="1200" dirty="0"/>
+              <a:t>Vegetables, $439 million</a:t>
+            </a:r>
+          </a:p>
+          <a:p>
+            <a:pPr lvl="1"/>
+            <a:r>
+              <a:rPr lang="en-US" sz="1200" dirty="0"/>
+              <a:t>Eggs, $439 million</a:t>
+            </a:r>
+          </a:p>
+          <a:p>
+            <a:pPr marL="0" indent="0">
+              <a:buNone/>
+            </a:pPr>
+            <a:r>
+              <a:rPr lang="en-US" sz="1200" dirty="0" smtClean="0"/>
+              <a:t> </a:t>
+            </a:r>
+            <a:endParaRPr lang="en-US" sz="1200" dirty="0"/>
+          </a:p>
+          <a:p>
+            <a:r>
+              <a:rPr lang="en-US" sz="1200" dirty="0"/>
+              <a:t>Agricultural exports to foreign countries totaled nearly than $8 billion in 2011.</a:t>
+            </a:r>
+          </a:p>
+          <a:p>
+            <a:r>
+              <a:rPr lang="en-US" sz="1200" dirty="0"/>
+              <a:t>Texas ranks # 4 overall in agricultural exports behind California, Iowa and Illinois. </a:t>
+            </a:r>
+            <a:endParaRPr lang="en-US" sz="1200" dirty="0" smtClean="0"/>
+          </a:p>
+          <a:p>
+            <a:endParaRPr lang="en-US" sz="1200" dirty="0"/>
+          </a:p>
+          <a:p>
+            <a:r>
+              <a:rPr lang="en-US" sz="1200" dirty="0"/>
+              <a:t>(http://</a:t>
+            </a:r>
+            <a:r>
+              <a:rPr lang="en-US" sz="1200" dirty="0" err="1"/>
+              <a:t>www.texasagriculture.gov</a:t>
+            </a:r>
+            <a:r>
+              <a:rPr lang="en-US" sz="1200" dirty="0" smtClean="0"/>
+              <a:t>/)</a:t>
+            </a:r>
+            <a:endParaRPr lang="en-US" sz="1200" dirty="0"/>
           </a:p>
         </p:txBody>
       </p:sp>
     </p:spTree>
     <p:extLst>
       <p:ext uri="{BB962C8B-B14F-4D97-AF65-F5344CB8AC3E}">
-        <p14:creationId xmlns:p14="http://schemas.microsoft.com/office/powerpoint/2010/main" val="2024001911"/>
+        <p14:creationId xmlns:p14="http://schemas.microsoft.com/office/powerpoint/2010/main" val="4083538760"/>
       </p:ext>
     </p:extLst>
   </p:cSld>
@@ -8242,4 +9385,324 @@
   </a:objectDefaults>
   <a:extraClrSchemeLst/>
 </a:theme>
+</file>
+
+<file path=ppt/theme/theme2.xml><?xml version="1.0" encoding="utf-8"?>
+<a:theme xmlns:a="http://schemas.openxmlformats.org/drawingml/2006/main" name="Office Theme">
+  <a:themeElements>
+    <a:clrScheme name="Office">
+      <a:dk1>
+        <a:sysClr val="windowText" lastClr="000000"/>
+      </a:dk1>
+      <a:lt1>
+        <a:sysClr val="window" lastClr="FFFFFF"/>
+      </a:lt1>
+      <a:dk2>
+        <a:srgbClr val="1F497D"/>
+      </a:dk2>
+      <a:lt2>
+        <a:srgbClr val="EEECE1"/>
+      </a:lt2>
+      <a:accent1>
+        <a:srgbClr val="4F81BD"/>
+      </a:accent1>
+      <a:accent2>
+        <a:srgbClr val="C0504D"/>
+      </a:accent2>
+      <a:accent3>
+        <a:srgbClr val="9BBB59"/>
+      </a:accent3>
+      <a:accent4>
+        <a:srgbClr val="8064A2"/>
+      </a:accent4>
+      <a:accent5>
+        <a:srgbClr val="4BACC6"/>
+      </a:accent5>
+      <a:accent6>
+        <a:srgbClr val="F79646"/>
+      </a:accent6>
+      <a:hlink>
+        <a:srgbClr val="0000FF"/>
+      </a:hlink>
+      <a:folHlink>
+        <a:srgbClr val="800080"/>
+      </a:folHlink>
+    </a:clrScheme>
+    <a:fontScheme name="Office">
+      <a:majorFont>
+        <a:latin typeface="Calibri"/>
+        <a:ea typeface=""/>
+        <a:cs typeface=""/>
+        <a:font script="Jpan" typeface="ＭＳ Ｐゴシック"/>
+        <a:font script="Hang" typeface="맑은 고딕"/>
+        <a:font script="Hans" typeface="宋体"/>
+        <a:font script="Hant" typeface="新細明體"/>
+        <a:font script="Arab" typeface="Times New Roman"/>
+        <a:font script="Hebr" typeface="Times New Roman"/>
+        <a:font script="Thai" typeface="Angsana New"/>
+        <a:font script="Ethi" typeface="Nyala"/>
+        <a:font script="Beng" typeface="Vrinda"/>
+        <a:font script="Gujr" typeface="Shruti"/>
+        <a:font script="Khmr" typeface="MoolBoran"/>
+        <a:font script="Knda" typeface="Tunga"/>
+        <a:font script="Guru" typeface="Raavi"/>
+        <a:font script="Cans" typeface="Euphemia"/>
+        <a:font script="Cher" typeface="Plantagenet Cherokee"/>
+        <a:font script="Yiii" typeface="Microsoft Yi Baiti"/>
+        <a:font script="Tibt" typeface="Microsoft Himalaya"/>
+        <a:font script="Thaa" typeface="MV Boli"/>
+        <a:font script="Deva" typeface="Mangal"/>
+        <a:font script="Telu" typeface="Gautami"/>
+        <a:font script="Taml" typeface="Latha"/>
+        <a:font script="Syrc" typeface="Estrangelo Edessa"/>
+        <a:font script="Orya" typeface="Kalinga"/>
+        <a:font script="Mlym" typeface="Kartika"/>
+        <a:font script="Laoo" typeface="DokChampa"/>
+        <a:font script="Sinh" typeface="Iskoola Pota"/>
+        <a:font script="Mong" typeface="Mongolian Baiti"/>
+        <a:font script="Viet" typeface="Times New Roman"/>
+        <a:font script="Uigh" typeface="Microsoft Uighur"/>
+        <a:font script="Geor" typeface="Sylfaen"/>
+      </a:majorFont>
+      <a:minorFont>
+        <a:latin typeface="Calibri"/>
+        <a:ea typeface=""/>
+        <a:cs typeface=""/>
+        <a:font script="Jpan" typeface="ＭＳ Ｐゴシック"/>
+        <a:font script="Hang" typeface="맑은 고딕"/>
+        <a:font script="Hans" typeface="宋体"/>
+        <a:font script="Hant" typeface="新細明體"/>
+        <a:font script="Arab" typeface="Arial"/>
+        <a:font script="Hebr" typeface="Arial"/>
+        <a:font script="Thai" typeface="Cordia New"/>
+        <a:font script="Ethi" typeface="Nyala"/>
+        <a:font script="Beng" typeface="Vrinda"/>
+        <a:font script="Gujr" typeface="Shruti"/>
+        <a:font script="Khmr" typeface="DaunPenh"/>
+        <a:font script="Knda" typeface="Tunga"/>
+        <a:font script="Guru" typeface="Raavi"/>
+        <a:font script="Cans" typeface="Euphemia"/>
+        <a:font script="Cher" typeface="Plantagenet Cherokee"/>
+        <a:font script="Yiii" typeface="Microsoft Yi Baiti"/>
+        <a:font script="Tibt" typeface="Microsoft Himalaya"/>
+        <a:font script="Thaa" typeface="MV Boli"/>
+        <a:font script="Deva" typeface="Mangal"/>
+        <a:font script="Telu" typeface="Gautami"/>
+        <a:font script="Taml" typeface="Latha"/>
+        <a:font script="Syrc" typeface="Estrangelo Edessa"/>
+        <a:font script="Orya" typeface="Kalinga"/>
+        <a:font script="Mlym" typeface="Kartika"/>
+        <a:font script="Laoo" typeface="DokChampa"/>
+        <a:font script="Sinh" typeface="Iskoola Pota"/>
+        <a:font script="Mong" typeface="Mongolian Baiti"/>
+        <a:font script="Viet" typeface="Arial"/>
+        <a:font script="Uigh" typeface="Microsoft Uighur"/>
+        <a:font script="Geor" typeface="Sylfaen"/>
+      </a:minorFont>
+    </a:fontScheme>
+    <a:fmtScheme name="Office">
+      <a:fillStyleLst>
+        <a:solidFill>
+          <a:schemeClr val="phClr"/>
+        </a:solidFill>
+        <a:gradFill rotWithShape="1">
+          <a:gsLst>
+            <a:gs pos="0">
+              <a:schemeClr val="phClr">
+                <a:tint val="50000"/>
+                <a:satMod val="300000"/>
+              </a:schemeClr>
+            </a:gs>
+            <a:gs pos="35000">
+              <a:schemeClr val="phClr">
+                <a:tint val="37000"/>
+                <a:satMod val="300000"/>
+              </a:schemeClr>
+            </a:gs>
+            <a:gs pos="100000">
+              <a:schemeClr val="phClr">
+                <a:tint val="15000"/>
+                <a:satMod val="350000"/>
+              </a:schemeClr>
+            </a:gs>
+          </a:gsLst>
+          <a:lin ang="16200000" scaled="1"/>
+        </a:gradFill>
+        <a:gradFill rotWithShape="1">
+          <a:gsLst>
+            <a:gs pos="0">
+              <a:schemeClr val="phClr">
+                <a:tint val="100000"/>
+                <a:shade val="100000"/>
+                <a:satMod val="130000"/>
+              </a:schemeClr>
+            </a:gs>
+            <a:gs pos="100000">
+              <a:schemeClr val="phClr">
+                <a:tint val="50000"/>
+                <a:shade val="100000"/>
+                <a:satMod val="350000"/>
+              </a:schemeClr>
+            </a:gs>
+          </a:gsLst>
+          <a:lin ang="16200000" scaled="0"/>
+        </a:gradFill>
+      </a:fillStyleLst>
+      <a:lnStyleLst>
+        <a:ln w="9525" cap="flat" cmpd="sng" algn="ctr">
+          <a:solidFill>
+            <a:schemeClr val="phClr">
+              <a:shade val="95000"/>
+              <a:satMod val="105000"/>
+            </a:schemeClr>
+          </a:solidFill>
+          <a:prstDash val="solid"/>
+        </a:ln>
+        <a:ln w="25400" cap="flat" cmpd="sng" algn="ctr">
+          <a:solidFill>
+            <a:schemeClr val="phClr"/>
+          </a:solidFill>
+          <a:prstDash val="solid"/>
+        </a:ln>
+        <a:ln w="38100" cap="flat" cmpd="sng" algn="ctr">
+          <a:solidFill>
+            <a:schemeClr val="phClr"/>
+          </a:solidFill>
+          <a:prstDash val="solid"/>
+        </a:ln>
+      </a:lnStyleLst>
+      <a:effectStyleLst>
+        <a:effectStyle>
+          <a:effectLst>
+            <a:outerShdw blurRad="40000" dist="20000" dir="5400000" rotWithShape="0">
+              <a:srgbClr val="000000">
+                <a:alpha val="38000"/>
+              </a:srgbClr>
+            </a:outerShdw>
+          </a:effectLst>
+        </a:effectStyle>
+        <a:effectStyle>
+          <a:effectLst>
+            <a:outerShdw blurRad="40000" dist="23000" dir="5400000" rotWithShape="0">
+              <a:srgbClr val="000000">
+                <a:alpha val="35000"/>
+              </a:srgbClr>
+            </a:outerShdw>
+          </a:effectLst>
+        </a:effectStyle>
+        <a:effectStyle>
+          <a:effectLst>
+            <a:outerShdw blurRad="40000" dist="23000" dir="5400000" rotWithShape="0">
+              <a:srgbClr val="000000">
+                <a:alpha val="35000"/>
+              </a:srgbClr>
+            </a:outerShdw>
+          </a:effectLst>
+          <a:scene3d>
+            <a:camera prst="orthographicFront">
+              <a:rot lat="0" lon="0" rev="0"/>
+            </a:camera>
+            <a:lightRig rig="threePt" dir="t">
+              <a:rot lat="0" lon="0" rev="1200000"/>
+            </a:lightRig>
+          </a:scene3d>
+          <a:sp3d>
+            <a:bevelT w="63500" h="25400"/>
+          </a:sp3d>
+        </a:effectStyle>
+      </a:effectStyleLst>
+      <a:bgFillStyleLst>
+        <a:solidFill>
+          <a:schemeClr val="phClr"/>
+        </a:solidFill>
+        <a:gradFill rotWithShape="1">
+          <a:gsLst>
+            <a:gs pos="0">
+              <a:schemeClr val="phClr">
+                <a:tint val="40000"/>
+                <a:satMod val="350000"/>
+              </a:schemeClr>
+            </a:gs>
+            <a:gs pos="40000">
+              <a:schemeClr val="phClr">
+                <a:tint val="45000"/>
+                <a:shade val="99000"/>
+                <a:satMod val="350000"/>
+              </a:schemeClr>
+            </a:gs>
+            <a:gs pos="100000">
+              <a:schemeClr val="phClr">
+                <a:shade val="20000"/>
+                <a:satMod val="255000"/>
+              </a:schemeClr>
+            </a:gs>
+          </a:gsLst>
+          <a:path path="circle">
+            <a:fillToRect l="50000" t="-80000" r="50000" b="180000"/>
+          </a:path>
+        </a:gradFill>
+        <a:gradFill rotWithShape="1">
+          <a:gsLst>
+            <a:gs pos="0">
+              <a:schemeClr val="phClr">
+                <a:tint val="80000"/>
+                <a:satMod val="300000"/>
+              </a:schemeClr>
+            </a:gs>
+            <a:gs pos="100000">
+              <a:schemeClr val="phClr">
+                <a:shade val="30000"/>
+                <a:satMod val="200000"/>
+              </a:schemeClr>
+            </a:gs>
+          </a:gsLst>
+          <a:path path="circle">
+            <a:fillToRect l="50000" t="50000" r="50000" b="50000"/>
+          </a:path>
+        </a:gradFill>
+      </a:bgFillStyleLst>
+    </a:fmtScheme>
+  </a:themeElements>
+  <a:objectDefaults>
+    <a:spDef>
+      <a:spPr/>
+      <a:bodyPr/>
+      <a:lstStyle/>
+      <a:style>
+        <a:lnRef idx="1">
+          <a:schemeClr val="accent1"/>
+        </a:lnRef>
+        <a:fillRef idx="3">
+          <a:schemeClr val="accent1"/>
+        </a:fillRef>
+        <a:effectRef idx="2">
+          <a:schemeClr val="accent1"/>
+        </a:effectRef>
+        <a:fontRef idx="minor">
+          <a:schemeClr val="lt1"/>
+        </a:fontRef>
+      </a:style>
+    </a:spDef>
+    <a:lnDef>
+      <a:spPr/>
+      <a:bodyPr/>
+      <a:lstStyle/>
+      <a:style>
+        <a:lnRef idx="2">
+          <a:schemeClr val="accent1"/>
+        </a:lnRef>
+        <a:fillRef idx="0">
+          <a:schemeClr val="accent1"/>
+        </a:fillRef>
+        <a:effectRef idx="1">
+          <a:schemeClr val="accent1"/>
+        </a:effectRef>
+        <a:fontRef idx="minor">
+          <a:schemeClr val="tx1"/>
+        </a:fontRef>
+      </a:style>
+    </a:lnDef>
+  </a:objectDefaults>
+  <a:extraClrSchemeLst/>
+</a:theme>
 </file>